--- a/skyway-renewal-inception-deck.pptx
+++ b/skyway-renewal-inception-deck.pptx
@@ -219,7 +219,7 @@
             <a:fld id="{08A6A601-9B1B-438A-96A6-56431C4BA801}" type="datetimeFigureOut">
               <a:rPr lang="en-CA" smtClean="0"/>
               <a:pPr/>
-              <a:t>2015-05-27</a:t>
+              <a:t>2015-06-05</a:t>
             </a:fld>
             <a:endParaRPr lang="en-CA"/>
           </a:p>
@@ -1752,7 +1752,7 @@
             <a:fld id="{1D8BD707-D9CF-40AE-B4C6-C98DA3205C09}" type="datetimeFigureOut">
               <a:rPr lang="en-US" smtClean="0"/>
               <a:pPr/>
-              <a:t>5/27/15</a:t>
+              <a:t>6/5/15</a:t>
             </a:fld>
             <a:endParaRPr lang="en-US"/>
           </a:p>
@@ -1951,7 +1951,7 @@
             <a:fld id="{1D8BD707-D9CF-40AE-B4C6-C98DA3205C09}" type="datetimeFigureOut">
               <a:rPr lang="en-US" smtClean="0"/>
               <a:pPr/>
-              <a:t>5/27/15</a:t>
+              <a:t>6/5/15</a:t>
             </a:fld>
             <a:endParaRPr lang="en-US"/>
           </a:p>
@@ -2128,7 +2128,7 @@
             <a:fld id="{1D8BD707-D9CF-40AE-B4C6-C98DA3205C09}" type="datetimeFigureOut">
               <a:rPr lang="en-US" smtClean="0"/>
               <a:pPr/>
-              <a:t>5/27/15</a:t>
+              <a:t>6/5/15</a:t>
             </a:fld>
             <a:endParaRPr lang="en-US"/>
           </a:p>
@@ -2295,7 +2295,7 @@
             <a:fld id="{1D8BD707-D9CF-40AE-B4C6-C98DA3205C09}" type="datetimeFigureOut">
               <a:rPr lang="en-US" smtClean="0"/>
               <a:pPr/>
-              <a:t>5/27/15</a:t>
+              <a:t>6/5/15</a:t>
             </a:fld>
             <a:endParaRPr lang="en-US"/>
           </a:p>
@@ -2538,7 +2538,7 @@
             <a:fld id="{1D8BD707-D9CF-40AE-B4C6-C98DA3205C09}" type="datetimeFigureOut">
               <a:rPr lang="en-US" smtClean="0"/>
               <a:pPr/>
-              <a:t>5/27/15</a:t>
+              <a:t>6/5/15</a:t>
             </a:fld>
             <a:endParaRPr lang="en-US"/>
           </a:p>
@@ -2823,7 +2823,7 @@
             <a:fld id="{1D8BD707-D9CF-40AE-B4C6-C98DA3205C09}" type="datetimeFigureOut">
               <a:rPr lang="en-US" smtClean="0"/>
               <a:pPr/>
-              <a:t>5/27/15</a:t>
+              <a:t>6/5/15</a:t>
             </a:fld>
             <a:endParaRPr lang="en-US"/>
           </a:p>
@@ -3242,7 +3242,7 @@
             <a:fld id="{1D8BD707-D9CF-40AE-B4C6-C98DA3205C09}" type="datetimeFigureOut">
               <a:rPr lang="en-US" smtClean="0"/>
               <a:pPr/>
-              <a:t>5/27/15</a:t>
+              <a:t>6/5/15</a:t>
             </a:fld>
             <a:endParaRPr lang="en-US"/>
           </a:p>
@@ -3357,7 +3357,7 @@
             <a:fld id="{1D8BD707-D9CF-40AE-B4C6-C98DA3205C09}" type="datetimeFigureOut">
               <a:rPr lang="en-US" smtClean="0"/>
               <a:pPr/>
-              <a:t>5/27/15</a:t>
+              <a:t>6/5/15</a:t>
             </a:fld>
             <a:endParaRPr lang="en-US"/>
           </a:p>
@@ -3449,7 +3449,7 @@
             <a:fld id="{1D8BD707-D9CF-40AE-B4C6-C98DA3205C09}" type="datetimeFigureOut">
               <a:rPr lang="en-US" smtClean="0"/>
               <a:pPr/>
-              <a:t>5/27/15</a:t>
+              <a:t>6/5/15</a:t>
             </a:fld>
             <a:endParaRPr lang="en-US"/>
           </a:p>
@@ -3723,7 +3723,7 @@
             <a:fld id="{1D8BD707-D9CF-40AE-B4C6-C98DA3205C09}" type="datetimeFigureOut">
               <a:rPr lang="en-US" smtClean="0"/>
               <a:pPr/>
-              <a:t>5/27/15</a:t>
+              <a:t>6/5/15</a:t>
             </a:fld>
             <a:endParaRPr lang="en-US"/>
           </a:p>
@@ -3973,7 +3973,7 @@
             <a:fld id="{1D8BD707-D9CF-40AE-B4C6-C98DA3205C09}" type="datetimeFigureOut">
               <a:rPr lang="en-US" smtClean="0"/>
               <a:pPr/>
-              <a:t>5/27/15</a:t>
+              <a:t>6/5/15</a:t>
             </a:fld>
             <a:endParaRPr lang="en-US"/>
           </a:p>
@@ -4183,7 +4183,7 @@
             <a:fld id="{1D8BD707-D9CF-40AE-B4C6-C98DA3205C09}" type="datetimeFigureOut">
               <a:rPr lang="en-US" smtClean="0"/>
               <a:pPr/>
-              <a:t>5/27/15</a:t>
+              <a:t>6/5/15</a:t>
             </a:fld>
             <a:endParaRPr lang="en-US"/>
           </a:p>
@@ -5097,11 +5097,6 @@
               </a:rPr>
               <a:t>2 weeks</a:t>
             </a:r>
-            <a:endParaRPr lang="en-CA" altLang="ja-JP" sz="2800" dirty="0">
-              <a:solidFill>
-                <a:schemeClr val="bg1"/>
-              </a:solidFill>
-            </a:endParaRPr>
           </a:p>
         </p:txBody>
       </p:sp>
@@ -5135,11 +5130,6 @@
               </a:rPr>
               <a:t>2 weeks</a:t>
             </a:r>
-            <a:endParaRPr lang="en-CA" altLang="ja-JP" sz="2800" dirty="0">
-              <a:solidFill>
-                <a:schemeClr val="bg1"/>
-              </a:solidFill>
-            </a:endParaRPr>
           </a:p>
         </p:txBody>
       </p:sp>
@@ -7944,8 +7934,8 @@
         </p:blipFill>
         <p:spPr bwMode="auto">
           <a:xfrm>
-            <a:off x="990600" y="4953000"/>
-            <a:ext cx="7388225" cy="1512168"/>
+            <a:off x="304800" y="4952999"/>
+            <a:ext cx="8686800" cy="1777951"/>
           </a:xfrm>
           <a:prstGeom prst="rect">
             <a:avLst/>
@@ -7992,30 +7982,65 @@
             <p:ph idx="1"/>
           </p:nvPr>
         </p:nvSpPr>
-        <p:spPr/>
-        <p:txBody>
-          <a:bodyPr/>
-          <a:lstStyle/>
-          <a:p>
-            <a:r>
-              <a:rPr lang="en-CA" dirty="0" smtClean="0"/>
-              <a:t>To revamp the </a:t>
-            </a:r>
-            <a:r>
-              <a:rPr lang="en-CA" dirty="0" err="1" smtClean="0"/>
+        <p:spPr>
+          <a:xfrm>
+            <a:off x="457200" y="1524000"/>
+            <a:ext cx="8229600" cy="4525963"/>
+          </a:xfrm>
+        </p:spPr>
+        <p:txBody>
+          <a:bodyPr>
+            <a:normAutofit/>
+          </a:bodyPr>
+          <a:lstStyle/>
+          <a:p>
+            <a:r>
+              <a:rPr lang="en-CA" sz="2400" dirty="0" smtClean="0"/>
+              <a:t>To clearly present the purpose and strengths of </a:t>
+            </a:r>
+            <a:r>
+              <a:rPr lang="en-CA" sz="2400" dirty="0" err="1" smtClean="0"/>
               <a:t>SkyWay</a:t>
             </a:r>
             <a:r>
-              <a:rPr lang="en-CA" dirty="0" smtClean="0"/>
+              <a:rPr lang="en-CA" sz="2400" dirty="0" smtClean="0"/>
+              <a:t> to developers.</a:t>
+            </a:r>
+          </a:p>
+          <a:p>
+            <a:r>
+              <a:rPr lang="en-CA" sz="2400" dirty="0" smtClean="0"/>
+              <a:t>To </a:t>
+            </a:r>
+            <a:r>
+              <a:rPr lang="en-CA" sz="2400" dirty="0" smtClean="0"/>
+              <a:t>revamp the </a:t>
+            </a:r>
+            <a:r>
+              <a:rPr lang="en-CA" sz="2400" dirty="0" err="1" smtClean="0"/>
+              <a:t>SkyWay</a:t>
+            </a:r>
+            <a:r>
+              <a:rPr lang="en-CA" sz="2400" dirty="0" smtClean="0"/>
               <a:t> website to a fresh and appealing design</a:t>
             </a:r>
-            <a:endParaRPr lang="en-CA" dirty="0" smtClean="0"/>
-          </a:p>
-          <a:p>
-            <a:r>
-              <a:rPr lang="en-CA" dirty="0" smtClean="0"/>
-              <a:t>To present all relevant information in a clear and understandable system/hierarchy</a:t>
-            </a:r>
+          </a:p>
+          <a:p>
+            <a:r>
+              <a:rPr lang="en-CA" sz="2400" dirty="0" smtClean="0"/>
+              <a:t>To present all relevant information in a clear and understandable </a:t>
+            </a:r>
+            <a:r>
+              <a:rPr lang="en-CA" sz="2400" dirty="0" smtClean="0"/>
+              <a:t>system/hierarchy</a:t>
+            </a:r>
+          </a:p>
+          <a:p>
+            <a:r>
+              <a:rPr lang="en-CA" sz="2400" dirty="0" smtClean="0"/>
+              <a:t>Create a flexible structure that can accommodate growing contents (iOS, TURN, etc.)</a:t>
+            </a:r>
+            <a:endParaRPr lang="en-CA" sz="2400" dirty="0" smtClean="0"/>
           </a:p>
         </p:txBody>
       </p:sp>
@@ -8027,8 +8052,8 @@
         </p:nvSpPr>
         <p:spPr>
           <a:xfrm>
-            <a:off x="2321661" y="5354618"/>
-            <a:ext cx="4726102" cy="954107"/>
+            <a:off x="762000" y="5486400"/>
+            <a:ext cx="8248155" cy="954107"/>
           </a:xfrm>
           <a:prstGeom prst="rect">
             <a:avLst/>
@@ -8042,31 +8067,28 @@
           <a:lstStyle/>
           <a:p>
             <a:r>
+              <a:rPr lang="en-CA" altLang="ja-JP" sz="2800" dirty="0" smtClean="0"/>
+              <a:t>To clearly present </a:t>
+            </a:r>
+            <a:r>
+              <a:rPr lang="en-CA" altLang="ja-JP" sz="2800" dirty="0" err="1" smtClean="0"/>
+              <a:t>SkyWay’s</a:t>
+            </a:r>
+            <a:r>
+              <a:rPr lang="en-CA" altLang="ja-JP" sz="2800" dirty="0" smtClean="0"/>
+              <a:t> strengths and provide</a:t>
+            </a:r>
+          </a:p>
+          <a:p>
+            <a:r>
               <a:rPr lang="en-CA" altLang="ja-JP" sz="2800" dirty="0"/>
-              <a:t>To revamp the </a:t>
-            </a:r>
-            <a:r>
-              <a:rPr lang="en-CA" altLang="ja-JP" sz="2800" dirty="0" err="1"/>
-              <a:t>SkyWay</a:t>
-            </a:r>
-            <a:r>
-              <a:rPr lang="en-CA" altLang="ja-JP" sz="2800" dirty="0"/>
-              <a:t> </a:t>
+              <a:t>e</a:t>
             </a:r>
             <a:r>
               <a:rPr lang="en-CA" altLang="ja-JP" sz="2800" dirty="0" smtClean="0"/>
-              <a:t>website</a:t>
-            </a:r>
-          </a:p>
-          <a:p>
-            <a:r>
-              <a:rPr lang="en-CA" altLang="ja-JP" sz="2800" dirty="0" smtClean="0"/>
-              <a:t>to </a:t>
-            </a:r>
-            <a:r>
-              <a:rPr lang="en-CA" altLang="ja-JP" sz="2800" dirty="0"/>
-              <a:t>a fresh and appealing design</a:t>
-            </a:r>
+              <a:t>asy access to all the resources that developers will use</a:t>
+            </a:r>
+            <a:endParaRPr lang="en-CA" altLang="ja-JP" sz="2800" dirty="0"/>
           </a:p>
         </p:txBody>
       </p:sp>
@@ -8135,10 +8157,15 @@
             <p:ph idx="1"/>
           </p:nvPr>
         </p:nvSpPr>
-        <p:spPr/>
+        <p:spPr>
+          <a:xfrm>
+            <a:off x="457200" y="1600200"/>
+            <a:ext cx="8229600" cy="5105400"/>
+          </a:xfrm>
+        </p:spPr>
         <p:txBody>
           <a:bodyPr>
-            <a:normAutofit fontScale="92500" lnSpcReduction="10000"/>
+            <a:normAutofit fontScale="92500" lnSpcReduction="20000"/>
           </a:bodyPr>
           <a:lstStyle/>
           <a:p>
@@ -8152,7 +8179,15 @@
                   <a:srgbClr val="008000"/>
                 </a:solidFill>
               </a:rPr>
-              <a:t>developers and users</a:t>
+              <a:t>developers </a:t>
+            </a:r>
+            <a:r>
+              <a:rPr lang="en-CA" dirty="0" smtClean="0">
+                <a:solidFill>
+                  <a:srgbClr val="008000"/>
+                </a:solidFill>
+              </a:rPr>
+              <a:t>ranging from large-corporations to independent developers</a:t>
             </a:r>
             <a:endParaRPr lang="en-CA" dirty="0" smtClean="0">
               <a:solidFill>
@@ -8171,7 +8206,31 @@
                   <a:srgbClr val="008000"/>
                 </a:solidFill>
               </a:rPr>
-              <a:t>are interested in real-time web communication.</a:t>
+              <a:t>are interested in </a:t>
+            </a:r>
+            <a:r>
+              <a:rPr lang="en-CA" dirty="0" smtClean="0">
+                <a:solidFill>
+                  <a:srgbClr val="008000"/>
+                </a:solidFill>
+              </a:rPr>
+              <a:t>developing a </a:t>
+            </a:r>
+            <a:r>
+              <a:rPr lang="en-CA" dirty="0" err="1" smtClean="0">
+                <a:solidFill>
+                  <a:srgbClr val="008000"/>
+                </a:solidFill>
+              </a:rPr>
+              <a:t>WebRTC</a:t>
+            </a:r>
+            <a:r>
+              <a:rPr lang="en-CA" dirty="0" smtClean="0">
+                <a:solidFill>
+                  <a:srgbClr val="008000"/>
+                </a:solidFill>
+              </a:rPr>
+              <a:t> service or application</a:t>
             </a:r>
             <a:endParaRPr lang="en-CA" dirty="0" smtClean="0">
               <a:solidFill>
@@ -8190,15 +8249,7 @@
                   <a:srgbClr val="008000"/>
                 </a:solidFill>
               </a:rPr>
-              <a:t>N</a:t>
-            </a:r>
-            <a:r>
-              <a:rPr lang="en-CA" dirty="0" smtClean="0">
-                <a:solidFill>
-                  <a:srgbClr val="008000"/>
-                </a:solidFill>
-              </a:rPr>
-              <a:t>EW </a:t>
+              <a:t>NEW </a:t>
             </a:r>
             <a:r>
               <a:rPr lang="en-CA" dirty="0" err="1" smtClean="0">
@@ -8216,16 +8267,15 @@
               </a:rPr>
               <a:t> website</a:t>
             </a:r>
-            <a:endParaRPr lang="en-CA" dirty="0" smtClean="0">
-              <a:solidFill>
-                <a:srgbClr val="008000"/>
-              </a:solidFill>
-            </a:endParaRPr>
           </a:p>
           <a:p>
             <a:r>
               <a:rPr lang="en-CA" dirty="0" smtClean="0"/>
-              <a:t>is a </a:t>
+              <a:t>is </a:t>
+            </a:r>
+            <a:r>
+              <a:rPr lang="en-CA" dirty="0" smtClean="0"/>
+              <a:t>an </a:t>
             </a:r>
             <a:r>
               <a:rPr lang="en-CA" dirty="0" smtClean="0">
@@ -8233,7 +8283,7 @@
                   <a:srgbClr val="008000"/>
                 </a:solidFill>
               </a:rPr>
-              <a:t>website</a:t>
+              <a:t>improved website</a:t>
             </a:r>
             <a:endParaRPr lang="en-CA" dirty="0" smtClean="0">
               <a:solidFill>
@@ -8283,26 +8333,7 @@
                   <a:srgbClr val="008000"/>
                 </a:solidFill>
               </a:rPr>
-              <a:t>websites</a:t>
-            </a:r>
-            <a:endParaRPr lang="en-CA" dirty="0" smtClean="0">
-              <a:solidFill>
-                <a:srgbClr val="008000"/>
-              </a:solidFill>
-            </a:endParaRPr>
-          </a:p>
-          <a:p>
-            <a:r>
-              <a:rPr lang="en-CA" dirty="0" smtClean="0"/>
-              <a:t>our project </a:t>
-            </a:r>
-            <a:r>
-              <a:rPr lang="en-CA" dirty="0" smtClean="0">
-                <a:solidFill>
-                  <a:srgbClr val="008000"/>
-                </a:solidFill>
-              </a:rPr>
-              <a:t>will be a new website for </a:t>
+              <a:t>the current </a:t>
             </a:r>
             <a:r>
               <a:rPr lang="en-CA" dirty="0" err="1" smtClean="0">
@@ -8318,7 +8349,58 @@
                   <a:srgbClr val="008000"/>
                 </a:solidFill>
               </a:rPr>
-              <a:t>.</a:t>
+              <a:t> website</a:t>
+            </a:r>
+            <a:endParaRPr lang="en-CA" dirty="0" smtClean="0">
+              <a:solidFill>
+                <a:srgbClr val="008000"/>
+              </a:solidFill>
+            </a:endParaRPr>
+          </a:p>
+          <a:p>
+            <a:r>
+              <a:rPr lang="en-CA" dirty="0" smtClean="0"/>
+              <a:t>our project </a:t>
+            </a:r>
+            <a:r>
+              <a:rPr lang="en-CA" dirty="0" smtClean="0">
+                <a:solidFill>
+                  <a:srgbClr val="008000"/>
+                </a:solidFill>
+              </a:rPr>
+              <a:t>clearly explains </a:t>
+            </a:r>
+            <a:r>
+              <a:rPr lang="en-CA" dirty="0" err="1" smtClean="0">
+                <a:solidFill>
+                  <a:srgbClr val="008000"/>
+                </a:solidFill>
+              </a:rPr>
+              <a:t>SkyWay’s</a:t>
+            </a:r>
+            <a:r>
+              <a:rPr lang="en-CA" dirty="0" smtClean="0">
+                <a:solidFill>
+                  <a:srgbClr val="008000"/>
+                </a:solidFill>
+              </a:rPr>
+              <a:t> strengths and </a:t>
+            </a:r>
+            <a:r>
+              <a:rPr lang="en-CA" altLang="ja-JP" dirty="0" smtClean="0">
+                <a:solidFill>
+                  <a:srgbClr val="008000"/>
+                </a:solidFill>
+              </a:rPr>
+              <a:t>houses all </a:t>
+            </a:r>
+            <a:r>
+              <a:rPr lang="en-CA" dirty="0" smtClean="0">
+                <a:solidFill>
+                  <a:srgbClr val="008000"/>
+                </a:solidFill>
+              </a:rPr>
+              <a:t>essential and useful resources in a well-defined organisation.</a:t>
             </a:r>
             <a:endParaRPr lang="en-CA" dirty="0"/>
           </a:p>
@@ -8364,8 +8446,8 @@
         </p:nvSpPr>
         <p:spPr>
           <a:xfrm>
-            <a:off x="2667000" y="1524000"/>
-            <a:ext cx="3810000" cy="5029200"/>
+            <a:off x="2667000" y="1447800"/>
+            <a:ext cx="3810000" cy="5334000"/>
           </a:xfrm>
           <a:prstGeom prst="rect">
             <a:avLst/>
@@ -8433,7 +8515,7 @@
         </p:nvSpPr>
         <p:spPr>
           <a:xfrm>
-            <a:off x="2895829" y="1808818"/>
+            <a:off x="2895829" y="1524000"/>
             <a:ext cx="3504742" cy="523220"/>
           </a:xfrm>
           <a:prstGeom prst="rect">
@@ -8471,8 +8553,8 @@
         </p:nvSpPr>
         <p:spPr>
           <a:xfrm>
-            <a:off x="3124200" y="2514600"/>
-            <a:ext cx="3048000" cy="1524000"/>
+            <a:off x="3124200" y="2133600"/>
+            <a:ext cx="3048000" cy="1436132"/>
           </a:xfrm>
           <a:prstGeom prst="rect">
             <a:avLst/>
@@ -8514,8 +8596,8 @@
         </p:nvSpPr>
         <p:spPr>
           <a:xfrm>
-            <a:off x="3141729" y="4104558"/>
-            <a:ext cx="3012941" cy="523220"/>
+            <a:off x="2806315" y="3653135"/>
+            <a:ext cx="3670685" cy="461665"/>
           </a:xfrm>
           <a:prstGeom prst="rect">
             <a:avLst/>
@@ -8529,14 +8611,10 @@
           <a:lstStyle/>
           <a:p>
             <a:r>
-              <a:rPr lang="en-CA" sz="2800" dirty="0" err="1" smtClean="0"/>
-              <a:t>SkyWay</a:t>
-            </a:r>
-            <a:r>
-              <a:rPr lang="en-CA" sz="2800" dirty="0" smtClean="0"/>
-              <a:t>, but newer.</a:t>
-            </a:r>
-            <a:endParaRPr lang="en-CA" sz="2800" dirty="0"/>
+              <a:rPr lang="en-CA" sz="2400" dirty="0" smtClean="0"/>
+              <a:t>Our new &amp; improved home.</a:t>
+            </a:r>
+            <a:endParaRPr lang="en-CA" sz="2400" dirty="0"/>
           </a:p>
         </p:txBody>
       </p:sp>
@@ -8548,8 +8626,8 @@
         </p:nvSpPr>
         <p:spPr>
           <a:xfrm>
-            <a:off x="3561422" y="4658380"/>
-            <a:ext cx="2028312" cy="523220"/>
+            <a:off x="2888275" y="4114800"/>
+            <a:ext cx="3436325" cy="646331"/>
           </a:xfrm>
           <a:prstGeom prst="rect">
             <a:avLst/>
@@ -8562,11 +8640,31 @@
           </a:bodyPr>
           <a:lstStyle/>
           <a:p>
-            <a:r>
-              <a:rPr lang="en-CA" sz="2800" dirty="0" smtClean="0"/>
-              <a:t>New Design!</a:t>
-            </a:r>
-            <a:endParaRPr lang="en-CA" sz="2800" dirty="0"/>
+            <a:pPr algn="ctr"/>
+            <a:r>
+              <a:rPr lang="en-CA" dirty="0" smtClean="0"/>
+              <a:t>Find out how</a:t>
+            </a:r>
+            <a:r>
+              <a:rPr lang="en-CA" dirty="0" smtClean="0"/>
+              <a:t> </a:t>
+            </a:r>
+            <a:r>
+              <a:rPr lang="en-CA" dirty="0" err="1" smtClean="0"/>
+              <a:t>SkyWay</a:t>
+            </a:r>
+            <a:r>
+              <a:rPr lang="en-CA" dirty="0" smtClean="0"/>
+              <a:t> will help you</a:t>
+            </a:r>
+          </a:p>
+          <a:p>
+            <a:pPr algn="ctr"/>
+            <a:r>
+              <a:rPr lang="en-CA" dirty="0" smtClean="0"/>
+              <a:t>Build your latest great app</a:t>
+            </a:r>
+            <a:endParaRPr lang="en-CA" dirty="0"/>
           </a:p>
         </p:txBody>
       </p:sp>
@@ -8578,8 +8676,8 @@
         </p:nvSpPr>
         <p:spPr>
           <a:xfrm>
-            <a:off x="3561422" y="5115580"/>
-            <a:ext cx="2303964" cy="523220"/>
+            <a:off x="2743200" y="4800600"/>
+            <a:ext cx="3716915" cy="369332"/>
           </a:xfrm>
           <a:prstGeom prst="rect">
             <a:avLst/>
@@ -8593,10 +8691,22 @@
           <a:lstStyle/>
           <a:p>
             <a:r>
-              <a:rPr lang="en-CA" sz="2800" dirty="0" smtClean="0"/>
-              <a:t>New Features!</a:t>
-            </a:r>
-            <a:endParaRPr lang="en-CA" sz="2800" dirty="0"/>
+              <a:rPr lang="en-CA" altLang="ja-JP" dirty="0"/>
+              <a:t>Learn </a:t>
+            </a:r>
+            <a:r>
+              <a:rPr lang="en-CA" altLang="ja-JP"/>
+              <a:t>about </a:t>
+            </a:r>
+            <a:r>
+              <a:rPr lang="en-CA" altLang="ja-JP" smtClean="0"/>
+              <a:t>our JS</a:t>
+            </a:r>
+            <a:r>
+              <a:rPr lang="en-CA" altLang="ja-JP" dirty="0"/>
+              <a:t>, iOS, Android SDKs</a:t>
+            </a:r>
+            <a:endParaRPr lang="en-CA" altLang="ja-JP" dirty="0"/>
           </a:p>
         </p:txBody>
       </p:sp>
@@ -8608,8 +8718,8 @@
         </p:nvSpPr>
         <p:spPr>
           <a:xfrm>
-            <a:off x="3561422" y="5572780"/>
-            <a:ext cx="2148858" cy="523220"/>
+            <a:off x="2888275" y="5257800"/>
+            <a:ext cx="3436325" cy="646331"/>
           </a:xfrm>
           <a:prstGeom prst="rect">
             <a:avLst/>
@@ -8617,16 +8727,17 @@
           <a:noFill/>
         </p:spPr>
         <p:txBody>
-          <a:bodyPr wrap="none" rtlCol="0">
+          <a:bodyPr wrap="square" rtlCol="0">
             <a:spAutoFit/>
           </a:bodyPr>
           <a:lstStyle/>
           <a:p>
-            <a:r>
-              <a:rPr lang="en-CA" sz="2800" dirty="0" smtClean="0"/>
-              <a:t>New Colours!</a:t>
-            </a:r>
-            <a:endParaRPr lang="en-CA" sz="2800" dirty="0"/>
+            <a:pPr algn="ctr"/>
+            <a:r>
+              <a:rPr lang="en-CA" dirty="0" smtClean="0"/>
+              <a:t>Easy access to helpful development resources</a:t>
+            </a:r>
+            <a:endParaRPr lang="en-CA" dirty="0"/>
           </a:p>
         </p:txBody>
       </p:sp>
@@ -8646,7 +8757,7 @@
         </p:blipFill>
         <p:spPr>
           <a:xfrm>
-            <a:off x="3466407" y="3387001"/>
+            <a:off x="3466407" y="3006001"/>
             <a:ext cx="2363583" cy="459509"/>
           </a:xfrm>
           <a:prstGeom prst="rect">
@@ -8676,7 +8787,7 @@
         </p:blipFill>
         <p:spPr>
           <a:xfrm>
-            <a:off x="5307908" y="2634529"/>
+            <a:off x="5307908" y="2253529"/>
             <a:ext cx="712583" cy="712583"/>
           </a:xfrm>
           <a:prstGeom prst="rect">
@@ -8684,6 +8795,48 @@
           </a:prstGeom>
         </p:spPr>
       </p:pic>
+      <p:sp>
+        <p:nvSpPr>
+          <p:cNvPr id="13" name="TextBox 8"/>
+          <p:cNvSpPr txBox="1"/>
+          <p:nvPr/>
+        </p:nvSpPr>
+        <p:spPr>
+          <a:xfrm>
+            <a:off x="2929326" y="5983069"/>
+            <a:ext cx="3242874" cy="646331"/>
+          </a:xfrm>
+          <a:prstGeom prst="rect">
+            <a:avLst/>
+          </a:prstGeom>
+          <a:noFill/>
+        </p:spPr>
+        <p:txBody>
+          <a:bodyPr wrap="none" rtlCol="0">
+            <a:spAutoFit/>
+          </a:bodyPr>
+          <a:lstStyle/>
+          <a:p>
+            <a:pPr algn="ctr"/>
+            <a:r>
+              <a:rPr lang="en-CA" dirty="0" smtClean="0"/>
+              <a:t>Try our demo apps and see what</a:t>
+            </a:r>
+          </a:p>
+          <a:p>
+            <a:pPr algn="ctr"/>
+            <a:r>
+              <a:rPr lang="en-CA" dirty="0"/>
+              <a:t>y</a:t>
+            </a:r>
+            <a:r>
+              <a:rPr lang="en-CA" dirty="0" smtClean="0"/>
+              <a:t>ou can do with Skyway!</a:t>
+            </a:r>
+            <a:endParaRPr lang="en-CA" dirty="0"/>
+          </a:p>
+        </p:txBody>
+      </p:sp>
     </p:spTree>
   </p:cSld>
   <p:clrMapOvr>
@@ -8837,14 +8990,14 @@
           <p:nvPr>
             <p:extLst>
               <p:ext uri="{D42A27DB-BD31-4B8C-83A1-F6EECF244321}">
-                <p14:modId xmlns:p14="http://schemas.microsoft.com/office/powerpoint/2010/main" val="821319300"/>
+                <p14:modId xmlns:p14="http://schemas.microsoft.com/office/powerpoint/2010/main" val="2126362173"/>
               </p:ext>
             </p:extLst>
           </p:nvPr>
         </p:nvGraphicFramePr>
         <p:xfrm>
-          <a:off x="381000" y="1295400"/>
-          <a:ext cx="8458200" cy="3073400"/>
+          <a:off x="381000" y="1219200"/>
+          <a:ext cx="8458200" cy="3302000"/>
         </p:xfrm>
         <a:graphic>
           <a:graphicData uri="http://schemas.openxmlformats.org/drawingml/2006/table">
@@ -8853,8 +9006,8 @@
                 <a:tableStyleId>{5C22544A-7EE6-4342-B048-85BDC9FD1C3A}</a:tableStyleId>
               </a:tblPr>
               <a:tblGrid>
-                <a:gridCol w="4229100"/>
-                <a:gridCol w="4229100"/>
+                <a:gridCol w="5029200"/>
+                <a:gridCol w="3429000"/>
               </a:tblGrid>
               <a:tr h="370840">
                 <a:tc>
@@ -8864,10 +9017,10 @@
                     <a:p>
                       <a:pPr algn="ctr"/>
                       <a:r>
-                        <a:rPr lang="en-CA" sz="3200" dirty="0" smtClean="0"/>
+                        <a:rPr lang="en-CA" sz="1400" dirty="0" smtClean="0"/>
                         <a:t>IN</a:t>
                       </a:r>
-                      <a:endParaRPr lang="en-CA" dirty="0"/>
+                      <a:endParaRPr lang="en-CA" sz="1400" dirty="0"/>
                     </a:p>
                   </a:txBody>
                   <a:tcPr/>
@@ -8879,10 +9032,10 @@
                     <a:p>
                       <a:pPr algn="ctr"/>
                       <a:r>
-                        <a:rPr lang="en-CA" sz="2800" dirty="0" smtClean="0"/>
+                        <a:rPr lang="en-CA" sz="1400" dirty="0" smtClean="0"/>
                         <a:t>OUT</a:t>
                       </a:r>
-                      <a:endParaRPr lang="en-CA" dirty="0"/>
+                      <a:endParaRPr lang="en-CA" sz="1400" dirty="0"/>
                     </a:p>
                   </a:txBody>
                   <a:tcPr/>
@@ -8895,20 +9048,20 @@
                     <a:lstStyle/>
                     <a:p>
                       <a:r>
-                        <a:rPr lang="en-CA" dirty="0" smtClean="0"/>
+                        <a:rPr lang="en-CA" sz="1400" dirty="0" smtClean="0"/>
                         <a:t>Examination</a:t>
                       </a:r>
                       <a:r>
-                        <a:rPr lang="en-CA" baseline="0" dirty="0" smtClean="0"/>
+                        <a:rPr lang="en-CA" sz="1400" baseline="0" dirty="0" smtClean="0"/>
                         <a:t> of current situation</a:t>
                       </a:r>
                     </a:p>
                     <a:p>
                       <a:r>
-                        <a:rPr lang="en-CA" baseline="0" dirty="0" smtClean="0"/>
+                        <a:rPr lang="en-CA" sz="1400" baseline="0" dirty="0" smtClean="0"/>
                         <a:t>(Design and site stats)</a:t>
                       </a:r>
-                      <a:endParaRPr lang="en-CA" dirty="0"/>
+                      <a:endParaRPr lang="en-CA" sz="1400" dirty="0"/>
                     </a:p>
                   </a:txBody>
                   <a:tcPr/>
@@ -8919,18 +9072,180 @@
                     <a:lstStyle/>
                     <a:p>
                       <a:r>
-                        <a:rPr lang="en-CA" dirty="0" smtClean="0"/>
+                        <a:rPr lang="en-CA" sz="1400" dirty="0" smtClean="0"/>
                         <a:t>Creating websites other than </a:t>
                       </a:r>
                       <a:r>
-                        <a:rPr lang="en-CA" dirty="0" err="1" smtClean="0"/>
+                        <a:rPr lang="en-CA" sz="1400" dirty="0" err="1" smtClean="0"/>
                         <a:t>SkyWay’s</a:t>
                       </a:r>
                       <a:r>
-                        <a:rPr lang="en-CA" dirty="0" smtClean="0"/>
+                        <a:rPr lang="en-CA" sz="1400" dirty="0" smtClean="0"/>
                         <a:t>.</a:t>
                       </a:r>
-                      <a:endParaRPr lang="en-CA" dirty="0"/>
+                      <a:endParaRPr lang="en-CA" sz="1400" dirty="0"/>
+                    </a:p>
+                  </a:txBody>
+                  <a:tcPr/>
+                </a:tc>
+              </a:tr>
+              <a:tr h="274320">
+                <a:tc>
+                  <a:txBody>
+                    <a:bodyPr/>
+                    <a:lstStyle/>
+                    <a:p>
+                      <a:r>
+                        <a:rPr lang="en-CA" sz="1400" dirty="0" smtClean="0"/>
+                        <a:t>Establish </a:t>
+                      </a:r>
+                      <a:r>
+                        <a:rPr lang="en-CA" sz="1400" dirty="0" err="1" smtClean="0"/>
+                        <a:t>SkyWay</a:t>
+                      </a:r>
+                      <a:r>
+                        <a:rPr lang="en-CA" sz="1400" baseline="0" dirty="0" smtClean="0"/>
+                        <a:t> &amp; </a:t>
+                      </a:r>
+                      <a:r>
+                        <a:rPr lang="en-CA" sz="1400" baseline="0" dirty="0" err="1" smtClean="0"/>
+                        <a:t>WebCore</a:t>
+                      </a:r>
+                      <a:r>
+                        <a:rPr lang="en-CA" sz="1400" baseline="0" dirty="0" smtClean="0"/>
+                        <a:t> aims</a:t>
+                      </a:r>
+                      <a:endParaRPr lang="en-CA" sz="1400" dirty="0"/>
+                    </a:p>
+                  </a:txBody>
+                  <a:tcPr/>
+                </a:tc>
+                <a:tc>
+                  <a:txBody>
+                    <a:bodyPr/>
+                    <a:lstStyle/>
+                    <a:p>
+                      <a:endParaRPr lang="en-CA" sz="1400" dirty="0"/>
+                    </a:p>
+                  </a:txBody>
+                  <a:tcPr/>
+                </a:tc>
+              </a:tr>
+              <a:tr h="198120">
+                <a:tc>
+                  <a:txBody>
+                    <a:bodyPr/>
+                    <a:lstStyle/>
+                    <a:p>
+                      <a:r>
+                        <a:rPr lang="en-CA" sz="1400" dirty="0" smtClean="0"/>
+                        <a:t>Examination</a:t>
+                      </a:r>
+                      <a:r>
+                        <a:rPr lang="en-CA" sz="1400" baseline="0" dirty="0" smtClean="0"/>
+                        <a:t> of</a:t>
+                      </a:r>
+                      <a:r>
+                        <a:rPr lang="en-CA" sz="1400" dirty="0" smtClean="0"/>
+                        <a:t> Competitors/Related Sites</a:t>
+                      </a:r>
+                      <a:endParaRPr lang="en-CA" sz="1400" dirty="0"/>
+                    </a:p>
+                  </a:txBody>
+                  <a:tcPr/>
+                </a:tc>
+                <a:tc>
+                  <a:txBody>
+                    <a:bodyPr/>
+                    <a:lstStyle/>
+                    <a:p>
+                      <a:endParaRPr lang="en-CA" sz="1400"/>
+                    </a:p>
+                  </a:txBody>
+                  <a:tcPr/>
+                </a:tc>
+              </a:tr>
+              <a:tr h="274320">
+                <a:tc>
+                  <a:txBody>
+                    <a:bodyPr/>
+                    <a:lstStyle/>
+                    <a:p>
+                      <a:r>
+                        <a:rPr lang="en-CA" sz="1400" dirty="0" smtClean="0"/>
+                        <a:t>User Story</a:t>
+                      </a:r>
+                      <a:r>
+                        <a:rPr lang="en-CA" sz="1400" baseline="0" dirty="0" smtClean="0"/>
+                        <a:t> Mapping</a:t>
+                      </a:r>
+                      <a:endParaRPr lang="en-CA" sz="1400" dirty="0"/>
+                    </a:p>
+                  </a:txBody>
+                  <a:tcPr/>
+                </a:tc>
+                <a:tc>
+                  <a:txBody>
+                    <a:bodyPr/>
+                    <a:lstStyle/>
+                    <a:p>
+                      <a:endParaRPr lang="en-CA" sz="1400"/>
+                    </a:p>
+                  </a:txBody>
+                  <a:tcPr/>
+                </a:tc>
+              </a:tr>
+              <a:tr h="274320">
+                <a:tc>
+                  <a:txBody>
+                    <a:bodyPr/>
+                    <a:lstStyle/>
+                    <a:p>
+                      <a:r>
+                        <a:rPr lang="en-CA" sz="1400" dirty="0" smtClean="0"/>
+                        <a:t>Paper prototyping</a:t>
+                      </a:r>
+                      <a:endParaRPr lang="en-CA" sz="1400" dirty="0"/>
+                    </a:p>
+                  </a:txBody>
+                  <a:tcPr/>
+                </a:tc>
+                <a:tc>
+                  <a:txBody>
+                    <a:bodyPr/>
+                    <a:lstStyle/>
+                    <a:p>
+                      <a:endParaRPr lang="en-CA" sz="1400" dirty="0"/>
+                    </a:p>
+                  </a:txBody>
+                  <a:tcPr/>
+                </a:tc>
+              </a:tr>
+              <a:tr h="274320">
+                <a:tc>
+                  <a:txBody>
+                    <a:bodyPr/>
+                    <a:lstStyle/>
+                    <a:p>
+                      <a:r>
+                        <a:rPr lang="en-CA" sz="1400" dirty="0" smtClean="0"/>
+                        <a:t>Update the design</a:t>
+                      </a:r>
+                      <a:r>
+                        <a:rPr lang="en-CA" sz="1400" baseline="0" dirty="0" smtClean="0"/>
+                        <a:t> of the site (clearly present growing contents)</a:t>
+                      </a:r>
+                      <a:endParaRPr lang="en-CA" sz="1400" dirty="0"/>
+                    </a:p>
+                  </a:txBody>
+                  <a:tcPr/>
+                </a:tc>
+                <a:tc>
+                  <a:txBody>
+                    <a:bodyPr/>
+                    <a:lstStyle/>
+                    <a:p>
+                      <a:endParaRPr lang="en-CA" sz="1400" dirty="0"/>
                     </a:p>
                   </a:txBody>
                   <a:tcPr/>
@@ -8943,26 +9258,22 @@
                     <a:lstStyle/>
                     <a:p>
                       <a:r>
-                        <a:rPr lang="en-CA" dirty="0" smtClean="0"/>
-                        <a:t>Establish </a:t>
+                        <a:rPr lang="en-CA" sz="1400" dirty="0" smtClean="0"/>
+                        <a:t>Improve the site contents</a:t>
                       </a:r>
                       <a:r>
-                        <a:rPr lang="en-CA" dirty="0" err="1" smtClean="0"/>
-                        <a:t>SkyWay</a:t>
+                        <a:rPr lang="en-CA" sz="1400" baseline="0" dirty="0" smtClean="0"/>
+                        <a:t> to explain </a:t>
                       </a:r>
                       <a:r>
-                        <a:rPr lang="en-CA" baseline="0" dirty="0" smtClean="0"/>
-                        <a:t> &amp; </a:t>
+                        <a:rPr lang="en-CA" sz="1400" baseline="0" dirty="0" err="1" smtClean="0"/>
+                        <a:t>SkyWay’s</a:t>
                       </a:r>
                       <a:r>
-                        <a:rPr lang="en-CA" baseline="0" dirty="0" err="1" smtClean="0"/>
-                        <a:t>WebCore</a:t>
+                        <a:rPr lang="en-CA" sz="1400" baseline="0" dirty="0" smtClean="0"/>
+                        <a:t> strengths and offer easy access to development resources.</a:t>
                       </a:r>
-                      <a:r>
-                        <a:rPr lang="en-CA" baseline="0" dirty="0" smtClean="0"/>
-                        <a:t> aims</a:t>
-                      </a:r>
-                      <a:endParaRPr lang="en-CA" dirty="0"/>
+                      <a:endParaRPr lang="en-CA" sz="1400" dirty="0"/>
                     </a:p>
                   </a:txBody>
                   <a:tcPr/>
@@ -8972,7 +9283,7 @@
                     <a:bodyPr/>
                     <a:lstStyle/>
                     <a:p>
-                      <a:endParaRPr lang="en-CA" dirty="0"/>
+                      <a:endParaRPr lang="en-CA" sz="1400" dirty="0"/>
                     </a:p>
                   </a:txBody>
                   <a:tcPr/>
@@ -8984,19 +9295,7 @@
                     <a:bodyPr/>
                     <a:lstStyle/>
                     <a:p>
-                      <a:r>
-                        <a:rPr lang="en-CA" dirty="0" smtClean="0"/>
-                        <a:t>Examination</a:t>
-                      </a:r>
-                      <a:r>
-                        <a:rPr lang="en-CA" baseline="0" dirty="0" smtClean="0"/>
-                        <a:t> of</a:t>
-                      </a:r>
-                      <a:r>
-                        <a:rPr lang="en-CA" dirty="0" smtClean="0"/>
-                        <a:t> Competitors/Related Sites</a:t>
-                      </a:r>
-                      <a:endParaRPr lang="en-CA" dirty="0"/>
+                      <a:endParaRPr lang="en-CA" sz="1400" dirty="0"/>
                     </a:p>
                   </a:txBody>
                   <a:tcPr/>
@@ -9006,85 +9305,7 @@
                     <a:bodyPr/>
                     <a:lstStyle/>
                     <a:p>
-                      <a:endParaRPr lang="en-CA"/>
-                    </a:p>
-                  </a:txBody>
-                  <a:tcPr/>
-                </a:tc>
-              </a:tr>
-              <a:tr h="370840">
-                <a:tc>
-                  <a:txBody>
-                    <a:bodyPr/>
-                    <a:lstStyle/>
-                    <a:p>
-                      <a:r>
-                        <a:rPr lang="en-CA" dirty="0" smtClean="0"/>
-                        <a:t>User Story</a:t>
-                      </a:r>
-                      <a:r>
-                        <a:rPr lang="en-CA" baseline="0" dirty="0" smtClean="0"/>
-                        <a:t> Mapping</a:t>
-                      </a:r>
-                      <a:endParaRPr lang="en-CA" dirty="0"/>
-                    </a:p>
-                  </a:txBody>
-                  <a:tcPr/>
-                </a:tc>
-                <a:tc>
-                  <a:txBody>
-                    <a:bodyPr/>
-                    <a:lstStyle/>
-                    <a:p>
-                      <a:endParaRPr lang="en-CA"/>
-                    </a:p>
-                  </a:txBody>
-                  <a:tcPr/>
-                </a:tc>
-              </a:tr>
-              <a:tr h="370840">
-                <a:tc>
-                  <a:txBody>
-                    <a:bodyPr/>
-                    <a:lstStyle/>
-                    <a:p>
-                      <a:r>
-                        <a:rPr lang="en-CA" dirty="0" smtClean="0"/>
-                        <a:t>Paper prototyping</a:t>
-                      </a:r>
-                      <a:endParaRPr lang="en-CA" dirty="0"/>
-                    </a:p>
-                  </a:txBody>
-                  <a:tcPr/>
-                </a:tc>
-                <a:tc>
-                  <a:txBody>
-                    <a:bodyPr/>
-                    <a:lstStyle/>
-                    <a:p>
-                      <a:endParaRPr lang="en-CA"/>
-                    </a:p>
-                  </a:txBody>
-                  <a:tcPr/>
-                </a:tc>
-              </a:tr>
-              <a:tr h="370840">
-                <a:tc>
-                  <a:txBody>
-                    <a:bodyPr/>
-                    <a:lstStyle/>
-                    <a:p>
-                      <a:endParaRPr lang="en-CA" dirty="0"/>
-                    </a:p>
-                  </a:txBody>
-                  <a:tcPr/>
-                </a:tc>
-                <a:tc>
-                  <a:txBody>
-                    <a:bodyPr/>
-                    <a:lstStyle/>
-                    <a:p>
-                      <a:endParaRPr lang="en-CA" dirty="0"/>
+                      <a:endParaRPr lang="en-CA" sz="1400" dirty="0"/>
                     </a:p>
                   </a:txBody>
                   <a:tcPr/>
@@ -9103,13 +9324,13 @@
           <p:nvPr>
             <p:extLst>
               <p:ext uri="{D42A27DB-BD31-4B8C-83A1-F6EECF244321}">
-                <p14:modId xmlns:p14="http://schemas.microsoft.com/office/powerpoint/2010/main" val="627200707"/>
+                <p14:modId xmlns:p14="http://schemas.microsoft.com/office/powerpoint/2010/main" val="1579059895"/>
               </p:ext>
             </p:extLst>
           </p:nvPr>
         </p:nvGraphicFramePr>
         <p:xfrm>
-          <a:off x="381000" y="4572000"/>
+          <a:off x="381000" y="4648200"/>
           <a:ext cx="8458200" cy="2042160"/>
         </p:xfrm>
         <a:graphic>
@@ -9146,11 +9367,7 @@
                     <a:p>
                       <a:r>
                         <a:rPr lang="en-CA" dirty="0" smtClean="0"/>
-                        <a:t>Which frameworks/</a:t>
-                      </a:r>
-                      <a:r>
-                        <a:rPr lang="en-CA" baseline="0" dirty="0" smtClean="0"/>
-                        <a:t>technologies to use</a:t>
+                        <a:t>Which languages to use (likely HTML, CSS, JS)</a:t>
                       </a:r>
                       <a:endParaRPr lang="en-CA" dirty="0"/>
                     </a:p>
@@ -9164,11 +9381,48 @@
                     <a:bodyPr/>
                     <a:lstStyle/>
                     <a:p>
+                      <a:pPr marL="0" marR="0" indent="0" algn="l" defTabSz="914400" rtl="0" eaLnBrk="1" fontAlgn="auto" latinLnBrk="0" hangingPunct="1">
+                        <a:lnSpc>
+                          <a:spcPct val="100000"/>
+                        </a:lnSpc>
+                        <a:spcBef>
+                          <a:spcPts val="0"/>
+                        </a:spcBef>
+                        <a:spcAft>
+                          <a:spcPts val="0"/>
+                        </a:spcAft>
+                        <a:buClrTx/>
+                        <a:buSzTx/>
+                        <a:buFontTx/>
+                        <a:buNone/>
+                        <a:tabLst/>
+                        <a:defRPr/>
+                      </a:pPr>
                       <a:r>
-                        <a:rPr lang="en-CA" dirty="0" smtClean="0"/>
-                        <a:t>COLOURS!</a:t>
+                        <a:rPr lang="en-CA" altLang="ja-JP" dirty="0" smtClean="0"/>
+                        <a:t>Which frameworks/</a:t>
                       </a:r>
-                      <a:endParaRPr lang="en-CA" dirty="0"/>
+                      <a:r>
+                        <a:rPr lang="en-CA" altLang="ja-JP" baseline="0" dirty="0" smtClean="0"/>
+                        <a:t>technologies to use (</a:t>
+                      </a:r>
+                      <a:r>
+                        <a:rPr lang="en-CA" altLang="ja-JP" baseline="0" dirty="0" err="1" smtClean="0"/>
+                        <a:t>Peer.js</a:t>
+                      </a:r>
+                      <a:r>
+                        <a:rPr lang="en-CA" altLang="ja-JP" baseline="0" dirty="0" smtClean="0"/>
+                        <a:t>, </a:t>
+                      </a:r>
+                      <a:r>
+                        <a:rPr lang="en-CA" altLang="ja-JP" baseline="0" dirty="0" err="1" smtClean="0"/>
+                        <a:t>skyway.js</a:t>
+                      </a:r>
+                      <a:r>
+                        <a:rPr lang="en-CA" altLang="ja-JP" baseline="0" dirty="0" smtClean="0"/>
+                        <a:t>)</a:t>
+                      </a:r>
+                      <a:endParaRPr lang="en-CA" altLang="ja-JP" dirty="0" smtClean="0"/>
                     </a:p>
                   </a:txBody>
                   <a:tcPr/>
@@ -9351,7 +9605,7 @@
         </p:nvSpPr>
         <p:spPr bwMode="auto">
           <a:xfrm>
-            <a:off x="3809386" y="4342154"/>
+            <a:off x="3509101" y="4492666"/>
             <a:ext cx="4078424" cy="630942"/>
           </a:xfrm>
           <a:prstGeom prst="rect">
@@ -9373,7 +9627,7 @@
           <a:p>
             <a:pPr algn="l"/>
             <a:r>
-              <a:rPr lang="en-US" sz="3600" smtClean="0">
+              <a:rPr lang="en-US" sz="3600" dirty="0" smtClean="0">
                 <a:solidFill>
                   <a:schemeClr val="tx1"/>
                 </a:solidFill>
@@ -9502,51 +9756,6 @@
       </p:sp>
       <p:sp>
         <p:nvSpPr>
-          <p:cNvPr id="20" name="Rectangle 7"/>
-          <p:cNvSpPr>
-            <a:spLocks/>
-          </p:cNvSpPr>
-          <p:nvPr/>
-        </p:nvSpPr>
-        <p:spPr bwMode="auto">
-          <a:xfrm>
-            <a:off x="6415087" y="1716173"/>
-            <a:ext cx="2271713" cy="431800"/>
-          </a:xfrm>
-          <a:prstGeom prst="rect">
-            <a:avLst/>
-          </a:prstGeom>
-          <a:noFill/>
-          <a:ln w="12700" cap="rnd">
-            <a:noFill/>
-            <a:round/>
-            <a:headEnd type="none" w="med" len="med"/>
-            <a:tailEnd type="none" w="med" len="med"/>
-          </a:ln>
-        </p:spPr>
-        <p:txBody>
-          <a:bodyPr wrap="none" lIns="38100" tIns="38100" rIns="38100" bIns="38100">
-            <a:spAutoFit/>
-          </a:bodyPr>
-          <a:lstStyle/>
-          <a:p>
-            <a:pPr algn="l"/>
-            <a:r>
-              <a:rPr lang="en-US" sz="2800" dirty="0">
-                <a:solidFill>
-                  <a:schemeClr val="tx1"/>
-                </a:solidFill>
-                <a:latin typeface="Calibri" charset="0"/>
-                <a:cs typeface="Calibri" charset="0"/>
-                <a:sym typeface="Calibri" charset="0"/>
-              </a:rPr>
-              <a:t>Everyone else !</a:t>
-            </a:r>
-          </a:p>
-        </p:txBody>
-      </p:sp>
-      <p:sp>
-        <p:nvSpPr>
           <p:cNvPr id="21" name="Rectangle 8"/>
           <p:cNvSpPr>
             <a:spLocks/>
@@ -9555,7 +9764,7 @@
         </p:nvSpPr>
         <p:spPr bwMode="auto">
           <a:xfrm>
-            <a:off x="892313" y="6146631"/>
+            <a:off x="49471" y="6309776"/>
             <a:ext cx="5830887" cy="482600"/>
           </a:xfrm>
           <a:prstGeom prst="rect">
@@ -9607,7 +9816,7 @@
         </p:blipFill>
         <p:spPr bwMode="auto">
           <a:xfrm>
-            <a:off x="7932181" y="4234028"/>
+            <a:off x="7890217" y="4192698"/>
             <a:ext cx="800100" cy="927100"/>
           </a:xfrm>
           <a:prstGeom prst="rect">
@@ -9749,7 +9958,7 @@
         </p:nvSpPr>
         <p:spPr bwMode="auto">
           <a:xfrm>
-            <a:off x="3505200" y="5258538"/>
+            <a:off x="4394151" y="5246396"/>
             <a:ext cx="4686796" cy="630942"/>
           </a:xfrm>
           <a:prstGeom prst="rect">
@@ -9792,6 +10001,144 @@
           </a:p>
         </p:txBody>
       </p:sp>
+      <p:sp>
+        <p:nvSpPr>
+          <p:cNvPr id="26" name="Rectangle 6"/>
+          <p:cNvSpPr>
+            <a:spLocks/>
+          </p:cNvSpPr>
+          <p:nvPr/>
+        </p:nvSpPr>
+        <p:spPr bwMode="auto">
+          <a:xfrm>
+            <a:off x="2508059" y="2297059"/>
+            <a:ext cx="913712" cy="630942"/>
+          </a:xfrm>
+          <a:prstGeom prst="rect">
+            <a:avLst/>
+          </a:prstGeom>
+          <a:noFill/>
+          <a:ln w="12700" cap="rnd">
+            <a:noFill/>
+            <a:round/>
+            <a:headEnd type="none" w="med" len="med"/>
+            <a:tailEnd type="none" w="med" len="med"/>
+          </a:ln>
+        </p:spPr>
+        <p:txBody>
+          <a:bodyPr wrap="none" lIns="38100" tIns="38100" rIns="38100" bIns="38100">
+            <a:spAutoFit/>
+          </a:bodyPr>
+          <a:lstStyle/>
+          <a:p>
+            <a:pPr algn="l"/>
+            <a:r>
+              <a:rPr lang="en-US" sz="3600" smtClean="0">
+                <a:solidFill>
+                  <a:schemeClr val="tx1"/>
+                </a:solidFill>
+                <a:latin typeface="Calibri" charset="0"/>
+                <a:cs typeface="Calibri" charset="0"/>
+                <a:sym typeface="Calibri" charset="0"/>
+              </a:rPr>
+              <a:t>V&amp;V</a:t>
+            </a:r>
+            <a:endParaRPr lang="en-US" sz="3600" dirty="0">
+              <a:solidFill>
+                <a:schemeClr val="tx1"/>
+              </a:solidFill>
+              <a:latin typeface="Calibri" charset="0"/>
+              <a:cs typeface="Calibri" charset="0"/>
+              <a:sym typeface="Calibri" charset="0"/>
+            </a:endParaRPr>
+          </a:p>
+        </p:txBody>
+      </p:sp>
+      <p:sp>
+        <p:nvSpPr>
+          <p:cNvPr id="27" name="Rectangle 6"/>
+          <p:cNvSpPr>
+            <a:spLocks/>
+          </p:cNvSpPr>
+          <p:nvPr/>
+        </p:nvSpPr>
+        <p:spPr bwMode="auto">
+          <a:xfrm>
+            <a:off x="5992230" y="2139753"/>
+            <a:ext cx="1461939" cy="630942"/>
+          </a:xfrm>
+          <a:prstGeom prst="rect">
+            <a:avLst/>
+          </a:prstGeom>
+          <a:noFill/>
+          <a:ln w="12700" cap="rnd">
+            <a:noFill/>
+            <a:round/>
+            <a:headEnd type="none" w="med" len="med"/>
+            <a:tailEnd type="none" w="med" len="med"/>
+          </a:ln>
+        </p:spPr>
+        <p:txBody>
+          <a:bodyPr wrap="none" lIns="38100" tIns="38100" rIns="38100" bIns="38100">
+            <a:spAutoFit/>
+          </a:bodyPr>
+          <a:lstStyle/>
+          <a:p>
+            <a:r>
+              <a:rPr lang="ja-JP" altLang="en-US" sz="3600" dirty="0"/>
+              <a:t>時雨堂</a:t>
+            </a:r>
+            <a:endParaRPr lang="en-US" sz="3600" dirty="0">
+              <a:solidFill>
+                <a:schemeClr val="tx1"/>
+              </a:solidFill>
+              <a:latin typeface="Calibri" charset="0"/>
+              <a:cs typeface="Calibri" charset="0"/>
+              <a:sym typeface="Calibri" charset="0"/>
+            </a:endParaRPr>
+          </a:p>
+        </p:txBody>
+      </p:sp>
+      <p:pic>
+        <p:nvPicPr>
+          <p:cNvPr id="28" name="Picture 9"/>
+          <p:cNvPicPr>
+            <a:picLocks noChangeAspect="1" noChangeArrowheads="1"/>
+          </p:cNvPicPr>
+          <p:nvPr/>
+        </p:nvPicPr>
+        <p:blipFill>
+          <a:blip r:embed="rId3" cstate="print">
+            <a:duotone>
+              <a:prstClr val="black"/>
+              <a:schemeClr val="accent2">
+                <a:tint val="45000"/>
+                <a:satMod val="400000"/>
+              </a:schemeClr>
+            </a:duotone>
+          </a:blip>
+          <a:srcRect/>
+          <a:stretch>
+            <a:fillRect/>
+          </a:stretch>
+        </p:blipFill>
+        <p:spPr bwMode="auto">
+          <a:xfrm>
+            <a:off x="7630223" y="1252623"/>
+            <a:ext cx="800100" cy="927100"/>
+          </a:xfrm>
+          <a:prstGeom prst="rect">
+            <a:avLst/>
+          </a:prstGeom>
+          <a:noFill/>
+          <a:ln w="12700" cap="flat">
+            <a:noFill/>
+            <a:miter lim="800000"/>
+            <a:headEnd/>
+            <a:tailEnd/>
+          </a:ln>
+        </p:spPr>
+      </p:pic>
     </p:spTree>
   </p:cSld>
   <p:clrMapOvr>
@@ -10353,7 +10700,6 @@
               <a:rPr lang="en-CA" sz="2400" dirty="0" smtClean="0"/>
               <a:t> JQuery, Bootstrap</a:t>
             </a:r>
-            <a:endParaRPr lang="en-CA" sz="2400" dirty="0" smtClean="0"/>
           </a:p>
           <a:p>
             <a:pPr>
@@ -10382,7 +10728,6 @@
               <a:rPr lang="en-CA" sz="2400" dirty="0" smtClean="0"/>
               <a:t> Photoshop, Sketch</a:t>
             </a:r>
-            <a:endParaRPr lang="en-CA" sz="2400" dirty="0" smtClean="0"/>
           </a:p>
         </p:txBody>
       </p:sp>
@@ -10466,7 +10811,6 @@
               <a:rPr lang="en-CA" sz="3200" dirty="0" smtClean="0"/>
               <a:t>Other?</a:t>
             </a:r>
-            <a:endParaRPr lang="en-CA" sz="3200" dirty="0" smtClean="0"/>
           </a:p>
         </p:txBody>
       </p:sp>

--- a/skyway-renewal-inception-deck.pptx
+++ b/skyway-renewal-inception-deck.pptx
@@ -219,7 +219,7 @@
             <a:fld id="{08A6A601-9B1B-438A-96A6-56431C4BA801}" type="datetimeFigureOut">
               <a:rPr lang="en-CA" smtClean="0"/>
               <a:pPr/>
-              <a:t>2015-06-05</a:t>
+              <a:t>2015-06-08</a:t>
             </a:fld>
             <a:endParaRPr lang="en-CA"/>
           </a:p>
@@ -1752,7 +1752,7 @@
             <a:fld id="{1D8BD707-D9CF-40AE-B4C6-C98DA3205C09}" type="datetimeFigureOut">
               <a:rPr lang="en-US" smtClean="0"/>
               <a:pPr/>
-              <a:t>6/5/15</a:t>
+              <a:t>6/8/15</a:t>
             </a:fld>
             <a:endParaRPr lang="en-US"/>
           </a:p>
@@ -1951,7 +1951,7 @@
             <a:fld id="{1D8BD707-D9CF-40AE-B4C6-C98DA3205C09}" type="datetimeFigureOut">
               <a:rPr lang="en-US" smtClean="0"/>
               <a:pPr/>
-              <a:t>6/5/15</a:t>
+              <a:t>6/8/15</a:t>
             </a:fld>
             <a:endParaRPr lang="en-US"/>
           </a:p>
@@ -2128,7 +2128,7 @@
             <a:fld id="{1D8BD707-D9CF-40AE-B4C6-C98DA3205C09}" type="datetimeFigureOut">
               <a:rPr lang="en-US" smtClean="0"/>
               <a:pPr/>
-              <a:t>6/5/15</a:t>
+              <a:t>6/8/15</a:t>
             </a:fld>
             <a:endParaRPr lang="en-US"/>
           </a:p>
@@ -2295,7 +2295,7 @@
             <a:fld id="{1D8BD707-D9CF-40AE-B4C6-C98DA3205C09}" type="datetimeFigureOut">
               <a:rPr lang="en-US" smtClean="0"/>
               <a:pPr/>
-              <a:t>6/5/15</a:t>
+              <a:t>6/8/15</a:t>
             </a:fld>
             <a:endParaRPr lang="en-US"/>
           </a:p>
@@ -2538,7 +2538,7 @@
             <a:fld id="{1D8BD707-D9CF-40AE-B4C6-C98DA3205C09}" type="datetimeFigureOut">
               <a:rPr lang="en-US" smtClean="0"/>
               <a:pPr/>
-              <a:t>6/5/15</a:t>
+              <a:t>6/8/15</a:t>
             </a:fld>
             <a:endParaRPr lang="en-US"/>
           </a:p>
@@ -2823,7 +2823,7 @@
             <a:fld id="{1D8BD707-D9CF-40AE-B4C6-C98DA3205C09}" type="datetimeFigureOut">
               <a:rPr lang="en-US" smtClean="0"/>
               <a:pPr/>
-              <a:t>6/5/15</a:t>
+              <a:t>6/8/15</a:t>
             </a:fld>
             <a:endParaRPr lang="en-US"/>
           </a:p>
@@ -3242,7 +3242,7 @@
             <a:fld id="{1D8BD707-D9CF-40AE-B4C6-C98DA3205C09}" type="datetimeFigureOut">
               <a:rPr lang="en-US" smtClean="0"/>
               <a:pPr/>
-              <a:t>6/5/15</a:t>
+              <a:t>6/8/15</a:t>
             </a:fld>
             <a:endParaRPr lang="en-US"/>
           </a:p>
@@ -3357,7 +3357,7 @@
             <a:fld id="{1D8BD707-D9CF-40AE-B4C6-C98DA3205C09}" type="datetimeFigureOut">
               <a:rPr lang="en-US" smtClean="0"/>
               <a:pPr/>
-              <a:t>6/5/15</a:t>
+              <a:t>6/8/15</a:t>
             </a:fld>
             <a:endParaRPr lang="en-US"/>
           </a:p>
@@ -3449,7 +3449,7 @@
             <a:fld id="{1D8BD707-D9CF-40AE-B4C6-C98DA3205C09}" type="datetimeFigureOut">
               <a:rPr lang="en-US" smtClean="0"/>
               <a:pPr/>
-              <a:t>6/5/15</a:t>
+              <a:t>6/8/15</a:t>
             </a:fld>
             <a:endParaRPr lang="en-US"/>
           </a:p>
@@ -3723,7 +3723,7 @@
             <a:fld id="{1D8BD707-D9CF-40AE-B4C6-C98DA3205C09}" type="datetimeFigureOut">
               <a:rPr lang="en-US" smtClean="0"/>
               <a:pPr/>
-              <a:t>6/5/15</a:t>
+              <a:t>6/8/15</a:t>
             </a:fld>
             <a:endParaRPr lang="en-US"/>
           </a:p>
@@ -3973,7 +3973,7 @@
             <a:fld id="{1D8BD707-D9CF-40AE-B4C6-C98DA3205C09}" type="datetimeFigureOut">
               <a:rPr lang="en-US" smtClean="0"/>
               <a:pPr/>
-              <a:t>6/5/15</a:t>
+              <a:t>6/8/15</a:t>
             </a:fld>
             <a:endParaRPr lang="en-US"/>
           </a:p>
@@ -4183,7 +4183,7 @@
             <a:fld id="{1D8BD707-D9CF-40AE-B4C6-C98DA3205C09}" type="datetimeFigureOut">
               <a:rPr lang="en-US" smtClean="0"/>
               <a:pPr/>
-              <a:t>6/5/15</a:t>
+              <a:t>6/8/15</a:t>
             </a:fld>
             <a:endParaRPr lang="en-US"/>
           </a:p>
@@ -8010,11 +8010,7 @@
           <a:p>
             <a:r>
               <a:rPr lang="en-CA" sz="2400" dirty="0" smtClean="0"/>
-              <a:t>To </a:t>
-            </a:r>
-            <a:r>
-              <a:rPr lang="en-CA" sz="2400" dirty="0" smtClean="0"/>
-              <a:t>revamp the </a:t>
+              <a:t>To revamp the </a:t>
             </a:r>
             <a:r>
               <a:rPr lang="en-CA" sz="2400" dirty="0" err="1" smtClean="0"/>
@@ -8028,11 +8024,7 @@
           <a:p>
             <a:r>
               <a:rPr lang="en-CA" sz="2400" dirty="0" smtClean="0"/>
-              <a:t>To present all relevant information in a clear and understandable </a:t>
-            </a:r>
-            <a:r>
-              <a:rPr lang="en-CA" sz="2400" dirty="0" smtClean="0"/>
-              <a:t>system/hierarchy</a:t>
+              <a:t>To present all relevant information in a clear and understandable system/hierarchy</a:t>
             </a:r>
           </a:p>
           <a:p>
@@ -8040,7 +8032,6 @@
               <a:rPr lang="en-CA" sz="2400" dirty="0" smtClean="0"/>
               <a:t>Create a flexible structure that can accommodate growing contents (iOS, TURN, etc.)</a:t>
             </a:r>
-            <a:endParaRPr lang="en-CA" sz="2400" dirty="0" smtClean="0"/>
           </a:p>
         </p:txBody>
       </p:sp>
@@ -8179,7 +8170,13 @@
                   <a:srgbClr val="008000"/>
                 </a:solidFill>
               </a:rPr>
-              <a:t>developers </a:t>
+              <a:t>developers ranging from large-corporations to independent developers</a:t>
+            </a:r>
+          </a:p>
+          <a:p>
+            <a:r>
+              <a:rPr lang="en-CA" dirty="0" smtClean="0"/>
+              <a:t>who </a:t>
             </a:r>
             <a:r>
               <a:rPr lang="en-CA" dirty="0" smtClean="0">
@@ -8187,34 +8184,7 @@
                   <a:srgbClr val="008000"/>
                 </a:solidFill>
               </a:rPr>
-              <a:t>ranging from large-corporations to independent developers</a:t>
-            </a:r>
-            <a:endParaRPr lang="en-CA" dirty="0" smtClean="0">
-              <a:solidFill>
-                <a:srgbClr val="008000"/>
-              </a:solidFill>
-            </a:endParaRPr>
-          </a:p>
-          <a:p>
-            <a:r>
-              <a:rPr lang="en-CA" dirty="0" smtClean="0"/>
-              <a:t>who </a:t>
-            </a:r>
-            <a:r>
-              <a:rPr lang="en-CA" dirty="0" smtClean="0">
-                <a:solidFill>
-                  <a:srgbClr val="008000"/>
-                </a:solidFill>
-              </a:rPr>
-              <a:t>are interested in </a:t>
-            </a:r>
-            <a:r>
-              <a:rPr lang="en-CA" dirty="0" smtClean="0">
-                <a:solidFill>
-                  <a:srgbClr val="008000"/>
-                </a:solidFill>
-              </a:rPr>
-              <a:t>developing a </a:t>
+              <a:t>are interested in developing a </a:t>
             </a:r>
             <a:r>
               <a:rPr lang="en-CA" dirty="0" err="1" smtClean="0">
@@ -8232,11 +8202,6 @@
               </a:rPr>
               <a:t> service or application</a:t>
             </a:r>
-            <a:endParaRPr lang="en-CA" dirty="0" smtClean="0">
-              <a:solidFill>
-                <a:srgbClr val="008000"/>
-              </a:solidFill>
-            </a:endParaRPr>
           </a:p>
           <a:p>
             <a:r>
@@ -8271,11 +8236,7 @@
           <a:p>
             <a:r>
               <a:rPr lang="en-CA" dirty="0" smtClean="0"/>
-              <a:t>is </a:t>
-            </a:r>
-            <a:r>
-              <a:rPr lang="en-CA" dirty="0" smtClean="0"/>
-              <a:t>an </a:t>
+              <a:t>is an </a:t>
             </a:r>
             <a:r>
               <a:rPr lang="en-CA" dirty="0" smtClean="0">
@@ -8285,11 +8246,6 @@
               </a:rPr>
               <a:t>improved website</a:t>
             </a:r>
-            <a:endParaRPr lang="en-CA" dirty="0" smtClean="0">
-              <a:solidFill>
-                <a:srgbClr val="008000"/>
-              </a:solidFill>
-            </a:endParaRPr>
           </a:p>
           <a:p>
             <a:r>
@@ -8351,11 +8307,6 @@
               </a:rPr>
               <a:t> website</a:t>
             </a:r>
-            <a:endParaRPr lang="en-CA" dirty="0" smtClean="0">
-              <a:solidFill>
-                <a:srgbClr val="008000"/>
-              </a:solidFill>
-            </a:endParaRPr>
           </a:p>
           <a:p>
             <a:r>
@@ -8643,11 +8594,7 @@
             <a:pPr algn="ctr"/>
             <a:r>
               <a:rPr lang="en-CA" dirty="0" smtClean="0"/>
-              <a:t>Find out how</a:t>
-            </a:r>
-            <a:r>
-              <a:rPr lang="en-CA" dirty="0" smtClean="0"/>
-              <a:t> </a:t>
+              <a:t>Find out how </a:t>
             </a:r>
             <a:r>
               <a:rPr lang="en-CA" dirty="0" err="1" smtClean="0"/>
@@ -8706,7 +8653,6 @@
               <a:rPr lang="en-CA" altLang="ja-JP" dirty="0"/>
               <a:t>, iOS, Android SDKs</a:t>
             </a:r>
-            <a:endParaRPr lang="en-CA" altLang="ja-JP" dirty="0"/>
           </a:p>
         </p:txBody>
       </p:sp>
@@ -8990,7 +8936,7 @@
           <p:nvPr>
             <p:extLst>
               <p:ext uri="{D42A27DB-BD31-4B8C-83A1-F6EECF244321}">
-                <p14:modId xmlns:p14="http://schemas.microsoft.com/office/powerpoint/2010/main" val="2126362173"/>
+                <p14:modId xmlns:p14="http://schemas.microsoft.com/office/powerpoint/2010/main" val="389040743"/>
               </p:ext>
             </p:extLst>
           </p:nvPr>
@@ -9295,6 +9241,14 @@
                     <a:bodyPr/>
                     <a:lstStyle/>
                     <a:p>
+                      <a:r>
+                        <a:rPr lang="en-CA" sz="1400" dirty="0" smtClean="0"/>
+                        <a:t>Simple</a:t>
+                      </a:r>
+                      <a:r>
+                        <a:rPr lang="en-CA" sz="1400" baseline="0" dirty="0" smtClean="0"/>
+                        <a:t> animation (make site more engaging to users)</a:t>
+                      </a:r>
                       <a:endParaRPr lang="en-CA" sz="1400" dirty="0"/>
                     </a:p>
                   </a:txBody>
@@ -9324,14 +9278,14 @@
           <p:nvPr>
             <p:extLst>
               <p:ext uri="{D42A27DB-BD31-4B8C-83A1-F6EECF244321}">
-                <p14:modId xmlns:p14="http://schemas.microsoft.com/office/powerpoint/2010/main" val="1579059895"/>
+                <p14:modId xmlns:p14="http://schemas.microsoft.com/office/powerpoint/2010/main" val="1707056552"/>
               </p:ext>
             </p:extLst>
           </p:nvPr>
         </p:nvGraphicFramePr>
         <p:xfrm>
-          <a:off x="381000" y="4648200"/>
-          <a:ext cx="8458200" cy="2042160"/>
+          <a:off x="381000" y="4648201"/>
+          <a:ext cx="8458200" cy="2134496"/>
         </p:xfrm>
         <a:graphic>
           <a:graphicData uri="http://schemas.openxmlformats.org/drawingml/2006/table">
@@ -9342,7 +9296,7 @@
               <a:tblGrid>
                 <a:gridCol w="8458200"/>
               </a:tblGrid>
-              <a:tr h="514293">
+              <a:tr h="499839">
                 <a:tc>
                   <a:txBody>
                     <a:bodyPr/>
@@ -9359,7 +9313,7 @@
                   <a:tcPr/>
                 </a:tc>
               </a:tr>
-              <a:tr h="324817">
+              <a:tr h="315688">
                 <a:tc>
                   <a:txBody>
                     <a:bodyPr/>
@@ -9375,7 +9329,7 @@
                   <a:tcPr/>
                 </a:tc>
               </a:tr>
-              <a:tr h="324817">
+              <a:tr h="315688">
                 <a:tc>
                   <a:txBody>
                     <a:bodyPr/>
@@ -9404,8 +9358,57 @@
                       </a:r>
                       <a:r>
                         <a:rPr lang="en-CA" altLang="ja-JP" baseline="0" dirty="0" smtClean="0"/>
-                        <a:t>technologies to use (</a:t>
+                        <a:t>technologies to use </a:t>
                       </a:r>
+                      <a:r>
+                        <a:rPr lang="en-CA" altLang="ja-JP" baseline="0" dirty="0" smtClean="0"/>
+                        <a:t>(See tech solution page)</a:t>
+                      </a:r>
+                      <a:endParaRPr lang="en-CA" altLang="ja-JP" dirty="0" smtClean="0"/>
+                    </a:p>
+                  </a:txBody>
+                  <a:tcPr/>
+                </a:tc>
+              </a:tr>
+              <a:tr h="315688">
+                <a:tc>
+                  <a:txBody>
+                    <a:bodyPr/>
+                    <a:lstStyle/>
+                    <a:p>
+                      <a:r>
+                        <a:rPr lang="en-CA" dirty="0" smtClean="0"/>
+                        <a:t>Dashboard? Docs?</a:t>
+                      </a:r>
+                      <a:endParaRPr lang="en-CA" dirty="0"/>
+                    </a:p>
+                  </a:txBody>
+                  <a:tcPr/>
+                </a:tc>
+              </a:tr>
+              <a:tr h="458096">
+                <a:tc>
+                  <a:txBody>
+                    <a:bodyPr/>
+                    <a:lstStyle/>
+                    <a:p>
+                      <a:pPr marL="0" marR="0" indent="0" algn="l" defTabSz="914400" rtl="0" eaLnBrk="1" fontAlgn="auto" latinLnBrk="0" hangingPunct="1">
+                        <a:lnSpc>
+                          <a:spcPct val="100000"/>
+                        </a:lnSpc>
+                        <a:spcBef>
+                          <a:spcPts val="0"/>
+                        </a:spcBef>
+                        <a:spcAft>
+                          <a:spcPts val="0"/>
+                        </a:spcAft>
+                        <a:buClrTx/>
+                        <a:buSzTx/>
+                        <a:buFontTx/>
+                        <a:buNone/>
+                        <a:tabLst/>
+                        <a:defRPr/>
+                      </a:pPr>
                       <a:r>
                         <a:rPr lang="en-CA" altLang="ja-JP" baseline="0" dirty="0" err="1" smtClean="0"/>
                         <a:t>Peer.js</a:t>
@@ -9420,33 +9423,9 @@
                       </a:r>
                       <a:r>
                         <a:rPr lang="en-CA" altLang="ja-JP" baseline="0" dirty="0" smtClean="0"/>
-                        <a:t>)</a:t>
+                        <a:t> ?</a:t>
                       </a:r>
                       <a:endParaRPr lang="en-CA" altLang="ja-JP" dirty="0" smtClean="0"/>
-                    </a:p>
-                  </a:txBody>
-                  <a:tcPr/>
-                </a:tc>
-              </a:tr>
-              <a:tr h="324817">
-                <a:tc>
-                  <a:txBody>
-                    <a:bodyPr/>
-                    <a:lstStyle/>
-                    <a:p>
-                      <a:endParaRPr lang="en-CA" dirty="0"/>
-                    </a:p>
-                  </a:txBody>
-                  <a:tcPr/>
-                </a:tc>
-              </a:tr>
-              <a:tr h="324817">
-                <a:tc>
-                  <a:txBody>
-                    <a:bodyPr/>
-                    <a:lstStyle/>
-                    <a:p>
-                      <a:endParaRPr lang="en-CA" dirty="0"/>
                     </a:p>
                   </a:txBody>
                   <a:tcPr/>
@@ -10166,109 +10145,13 @@
       </p:grpSpPr>
       <p:sp>
         <p:nvSpPr>
-          <p:cNvPr id="52" name="円弧 51"/>
-          <p:cNvSpPr/>
-          <p:nvPr/>
-        </p:nvSpPr>
-        <p:spPr>
-          <a:xfrm>
-            <a:off x="2347094" y="2123838"/>
-            <a:ext cx="4754609" cy="1730653"/>
-          </a:xfrm>
-          <a:prstGeom prst="arc">
-            <a:avLst>
-              <a:gd name="adj1" fmla="val 11039885"/>
-              <a:gd name="adj2" fmla="val 21232086"/>
-            </a:avLst>
-          </a:prstGeom>
-          <a:ln w="63500">
-            <a:solidFill>
-              <a:schemeClr val="accent2"/>
-            </a:solidFill>
-            <a:headEnd type="arrow"/>
-            <a:tailEnd type="arrow"/>
-          </a:ln>
-        </p:spPr>
-        <p:style>
-          <a:lnRef idx="1">
-            <a:schemeClr val="accent1"/>
-          </a:lnRef>
-          <a:fillRef idx="0">
-            <a:schemeClr val="accent1"/>
-          </a:fillRef>
-          <a:effectRef idx="0">
-            <a:schemeClr val="accent1"/>
-          </a:effectRef>
-          <a:fontRef idx="minor">
-            <a:schemeClr val="tx1"/>
-          </a:fontRef>
-        </p:style>
-        <p:txBody>
-          <a:bodyPr rtlCol="0" anchor="ctr"/>
-          <a:lstStyle/>
-          <a:p>
-            <a:pPr algn="ctr"/>
-            <a:endParaRPr kumimoji="1" lang="ja-JP" altLang="en-US"/>
-          </a:p>
-        </p:txBody>
-      </p:sp>
-      <p:sp>
-        <p:nvSpPr>
-          <p:cNvPr id="53" name="円/楕円 52"/>
-          <p:cNvSpPr/>
-          <p:nvPr/>
-        </p:nvSpPr>
-        <p:spPr>
-          <a:xfrm>
-            <a:off x="3501458" y="1066800"/>
-            <a:ext cx="2180343" cy="1364096"/>
-          </a:xfrm>
-          <a:prstGeom prst="ellipse">
-            <a:avLst/>
-          </a:prstGeom>
-          <a:solidFill>
-            <a:schemeClr val="bg1"/>
-          </a:solidFill>
-          <a:ln>
-            <a:solidFill>
-              <a:schemeClr val="bg1"/>
-            </a:solidFill>
-          </a:ln>
-        </p:spPr>
-        <p:style>
-          <a:lnRef idx="2">
-            <a:schemeClr val="accent1">
-              <a:shade val="50000"/>
-            </a:schemeClr>
-          </a:lnRef>
-          <a:fillRef idx="1">
-            <a:schemeClr val="accent1"/>
-          </a:fillRef>
-          <a:effectRef idx="0">
-            <a:schemeClr val="accent1"/>
-          </a:effectRef>
-          <a:fontRef idx="minor">
-            <a:schemeClr val="lt1"/>
-          </a:fontRef>
-        </p:style>
-        <p:txBody>
-          <a:bodyPr rtlCol="0" anchor="ctr"/>
-          <a:lstStyle/>
-          <a:p>
-            <a:pPr algn="ctr"/>
-            <a:endParaRPr kumimoji="1" lang="ja-JP" altLang="en-US"/>
-          </a:p>
-        </p:txBody>
-      </p:sp>
-      <p:sp>
-        <p:nvSpPr>
           <p:cNvPr id="22" name="Rectangle 21"/>
           <p:cNvSpPr/>
           <p:nvPr/>
         </p:nvSpPr>
         <p:spPr>
           <a:xfrm>
-            <a:off x="7696200" y="6096000"/>
+            <a:off x="7656450" y="6085040"/>
             <a:ext cx="1371600" cy="685800"/>
           </a:xfrm>
           <a:prstGeom prst="rect">
@@ -10323,53 +10206,11 @@
           <a:bodyPr/>
           <a:lstStyle/>
           <a:p>
-            <a:pPr algn="ctr"/>
             <a:r>
               <a:rPr lang="en-CA" dirty="0" smtClean="0"/>
               <a:t>Technical solution</a:t>
             </a:r>
             <a:endParaRPr lang="en-CA" dirty="0"/>
-          </a:p>
-        </p:txBody>
-      </p:sp>
-      <p:sp>
-        <p:nvSpPr>
-          <p:cNvPr id="7" name="Cloud 6"/>
-          <p:cNvSpPr/>
-          <p:nvPr/>
-        </p:nvSpPr>
-        <p:spPr>
-          <a:xfrm>
-            <a:off x="3610077" y="1291367"/>
-            <a:ext cx="2184097" cy="1139529"/>
-          </a:xfrm>
-          <a:prstGeom prst="cloud">
-            <a:avLst/>
-          </a:prstGeom>
-          <a:noFill/>
-        </p:spPr>
-        <p:style>
-          <a:lnRef idx="2">
-            <a:schemeClr val="accent1">
-              <a:shade val="50000"/>
-            </a:schemeClr>
-          </a:lnRef>
-          <a:fillRef idx="1">
-            <a:schemeClr val="accent1"/>
-          </a:fillRef>
-          <a:effectRef idx="0">
-            <a:schemeClr val="accent1"/>
-          </a:effectRef>
-          <a:fontRef idx="minor">
-            <a:schemeClr val="lt1"/>
-          </a:fontRef>
-        </p:style>
-        <p:txBody>
-          <a:bodyPr rtlCol="0" anchor="ctr"/>
-          <a:lstStyle/>
-          <a:p>
-            <a:pPr algn="ctr"/>
-            <a:endParaRPr lang="en-CA"/>
           </a:p>
         </p:txBody>
       </p:sp>
@@ -10381,7 +10222,7 @@
         </p:nvSpPr>
         <p:spPr>
           <a:xfrm>
-            <a:off x="490172" y="3124200"/>
+            <a:off x="490172" y="3472543"/>
             <a:ext cx="3242098" cy="3156857"/>
           </a:xfrm>
           <a:prstGeom prst="rect">
@@ -10421,7 +10262,7 @@
         </p:nvSpPr>
         <p:spPr>
           <a:xfrm>
-            <a:off x="620770" y="3538527"/>
+            <a:off x="620770" y="3886870"/>
             <a:ext cx="2959099" cy="2620208"/>
           </a:xfrm>
           <a:prstGeom prst="rect">
@@ -10430,46 +10271,6 @@
           <a:solidFill>
             <a:schemeClr val="bg1"/>
           </a:solidFill>
-        </p:spPr>
-        <p:style>
-          <a:lnRef idx="2">
-            <a:schemeClr val="accent1">
-              <a:shade val="50000"/>
-            </a:schemeClr>
-          </a:lnRef>
-          <a:fillRef idx="1">
-            <a:schemeClr val="accent1"/>
-          </a:fillRef>
-          <a:effectRef idx="0">
-            <a:schemeClr val="accent1"/>
-          </a:effectRef>
-          <a:fontRef idx="minor">
-            <a:schemeClr val="lt1"/>
-          </a:fontRef>
-        </p:style>
-        <p:txBody>
-          <a:bodyPr rtlCol="0" anchor="ctr"/>
-          <a:lstStyle/>
-          <a:p>
-            <a:pPr algn="ctr"/>
-            <a:endParaRPr lang="en-CA"/>
-          </a:p>
-        </p:txBody>
-      </p:sp>
-      <p:sp>
-        <p:nvSpPr>
-          <p:cNvPr id="11" name="Can 10"/>
-          <p:cNvSpPr/>
-          <p:nvPr/>
-        </p:nvSpPr>
-        <p:spPr>
-          <a:xfrm>
-            <a:off x="6197036" y="3820250"/>
-            <a:ext cx="762001" cy="1013461"/>
-          </a:xfrm>
-          <a:prstGeom prst="can">
-            <a:avLst/>
-          </a:prstGeom>
         </p:spPr>
         <p:style>
           <a:lnRef idx="2">
@@ -10658,8 +10459,8 @@
         </p:nvSpPr>
         <p:spPr>
           <a:xfrm>
-            <a:off x="6119602" y="4854217"/>
-            <a:ext cx="2985882" cy="1938992"/>
+            <a:off x="5715000" y="0"/>
+            <a:ext cx="3760451" cy="3046988"/>
           </a:xfrm>
           <a:prstGeom prst="rect">
             <a:avLst/>
@@ -10667,7 +10468,7 @@
           <a:noFill/>
         </p:spPr>
         <p:txBody>
-          <a:bodyPr wrap="none" rtlCol="0">
+          <a:bodyPr wrap="square" rtlCol="0">
             <a:spAutoFit/>
           </a:bodyPr>
           <a:lstStyle/>
@@ -10688,8 +10489,41 @@
             </a:r>
             <a:r>
               <a:rPr lang="en-US" altLang="ja-JP" sz="2400" dirty="0" smtClean="0"/>
-              <a:t>HTML, CSS, JS</a:t>
-            </a:r>
+              <a:t>HTML, CSS, </a:t>
+            </a:r>
+            <a:r>
+              <a:rPr lang="en-US" altLang="ja-JP" sz="2400" dirty="0" smtClean="0"/>
+              <a:t>JS</a:t>
+            </a:r>
+          </a:p>
+          <a:p>
+            <a:pPr lvl="1">
+              <a:buFontTx/>
+              <a:buChar char="-"/>
+            </a:pPr>
+            <a:r>
+              <a:rPr lang="en-US" altLang="ja-JP" sz="2400" dirty="0" smtClean="0"/>
+              <a:t> Less or Sass?</a:t>
+            </a:r>
+          </a:p>
+          <a:p>
+            <a:pPr lvl="1">
+              <a:buFontTx/>
+              <a:buChar char="-"/>
+            </a:pPr>
+            <a:r>
+              <a:rPr lang="en-US" altLang="ja-JP" sz="2400" dirty="0"/>
+              <a:t> </a:t>
+            </a:r>
+            <a:r>
+              <a:rPr lang="en-US" altLang="ja-JP" sz="2400" dirty="0" err="1" smtClean="0"/>
+              <a:t>TypeScript</a:t>
+            </a:r>
+            <a:r>
+              <a:rPr lang="en-US" altLang="ja-JP" sz="2400" dirty="0" smtClean="0"/>
+              <a:t>?</a:t>
+            </a:r>
+            <a:endParaRPr lang="en-US" altLang="ja-JP" sz="2400" dirty="0" smtClean="0"/>
           </a:p>
           <a:p>
             <a:pPr>
@@ -10698,7 +10532,11 @@
             </a:pPr>
             <a:r>
               <a:rPr lang="en-CA" sz="2400" dirty="0" smtClean="0"/>
-              <a:t> JQuery, Bootstrap</a:t>
+              <a:t> JQuery, </a:t>
+            </a:r>
+            <a:r>
+              <a:rPr lang="en-CA" sz="2400" dirty="0" smtClean="0"/>
+              <a:t>Bootstrap</a:t>
             </a:r>
           </a:p>
           <a:p>
@@ -10716,7 +10554,15 @@
             </a:r>
             <a:r>
               <a:rPr lang="en-CA" sz="2400" dirty="0" smtClean="0"/>
-              <a:t> pages, Jekyll?</a:t>
+              <a:t> </a:t>
+            </a:r>
+            <a:r>
+              <a:rPr lang="en-CA" sz="2400" dirty="0" smtClean="0"/>
+              <a:t>pages, Jekyll</a:t>
+            </a:r>
+            <a:r>
+              <a:rPr lang="en-CA" sz="2400" dirty="0" smtClean="0"/>
+              <a:t>?</a:t>
             </a:r>
           </a:p>
           <a:p>
@@ -10726,7 +10572,30 @@
             </a:pPr>
             <a:r>
               <a:rPr lang="en-CA" sz="2400" dirty="0" smtClean="0"/>
-              <a:t> Photoshop, Sketch</a:t>
+              <a:t> Gulp, Grunt or </a:t>
+            </a:r>
+            <a:r>
+              <a:rPr lang="en-CA" sz="2400" dirty="0" err="1" smtClean="0"/>
+              <a:t>Webpack</a:t>
+            </a:r>
+            <a:r>
+              <a:rPr lang="en-CA" sz="2400" dirty="0" smtClean="0"/>
+              <a:t>?</a:t>
+            </a:r>
+            <a:endParaRPr lang="en-CA" sz="2400" dirty="0" smtClean="0"/>
+          </a:p>
+          <a:p>
+            <a:pPr>
+              <a:buFontTx/>
+              <a:buChar char="-"/>
+            </a:pPr>
+            <a:r>
+              <a:rPr lang="en-CA" sz="2400" dirty="0" smtClean="0"/>
+              <a:t> </a:t>
+            </a:r>
+            <a:r>
+              <a:rPr lang="en-CA" sz="2400" dirty="0" smtClean="0"/>
+              <a:t>Sketch</a:t>
             </a:r>
           </a:p>
         </p:txBody>
@@ -10747,7 +10616,7 @@
         </p:blipFill>
         <p:spPr>
           <a:xfrm>
-            <a:off x="877045" y="3811205"/>
+            <a:off x="877045" y="4159548"/>
             <a:ext cx="2446548" cy="475638"/>
           </a:xfrm>
           <a:prstGeom prst="rect">
@@ -10763,7 +10632,7 @@
         </p:nvSpPr>
         <p:spPr>
           <a:xfrm>
-            <a:off x="6101110" y="2974900"/>
+            <a:off x="6862465" y="3649919"/>
             <a:ext cx="1371600" cy="584775"/>
           </a:xfrm>
           <a:prstGeom prst="rect">
@@ -10787,42 +10656,13 @@
       </p:sp>
       <p:sp>
         <p:nvSpPr>
-          <p:cNvPr id="23" name="TextBox 19"/>
-          <p:cNvSpPr txBox="1"/>
-          <p:nvPr/>
-        </p:nvSpPr>
-        <p:spPr>
-          <a:xfrm>
-            <a:off x="7206007" y="3976902"/>
-            <a:ext cx="1371600" cy="584775"/>
-          </a:xfrm>
-          <a:prstGeom prst="rect">
-            <a:avLst/>
-          </a:prstGeom>
-          <a:noFill/>
-        </p:spPr>
-        <p:txBody>
-          <a:bodyPr wrap="square" rtlCol="0">
-            <a:spAutoFit/>
-          </a:bodyPr>
-          <a:lstStyle/>
-          <a:p>
-            <a:r>
-              <a:rPr lang="en-CA" sz="3200" dirty="0" smtClean="0"/>
-              <a:t>Other?</a:t>
-            </a:r>
-          </a:p>
-        </p:txBody>
-      </p:sp>
-      <p:sp>
-        <p:nvSpPr>
           <p:cNvPr id="24" name="Can 10"/>
           <p:cNvSpPr/>
           <p:nvPr/>
         </p:nvSpPr>
         <p:spPr>
           <a:xfrm>
-            <a:off x="5206998" y="3092027"/>
+            <a:off x="6091636" y="3482339"/>
             <a:ext cx="762001" cy="1013461"/>
           </a:xfrm>
           <a:prstGeom prst="can">
@@ -10854,35 +10694,187 @@
           </a:p>
         </p:txBody>
       </p:sp>
-      <p:sp>
-        <p:nvSpPr>
-          <p:cNvPr id="25" name="TextBox 19"/>
-          <p:cNvSpPr txBox="1"/>
+      <p:grpSp>
+        <p:nvGrpSpPr>
+          <p:cNvPr id="6" name="図形グループ 5"/>
+          <p:cNvGrpSpPr/>
           <p:nvPr/>
-        </p:nvSpPr>
-        <p:spPr>
+        </p:nvGrpSpPr>
+        <p:grpSpPr>
           <a:xfrm>
-            <a:off x="3909432" y="1494345"/>
-            <a:ext cx="1585386" cy="584775"/>
+            <a:off x="1752600" y="1676400"/>
+            <a:ext cx="4754609" cy="2787691"/>
+            <a:chOff x="2057400" y="1631909"/>
+            <a:chExt cx="4754609" cy="2787691"/>
           </a:xfrm>
-          <a:prstGeom prst="rect">
-            <a:avLst/>
-          </a:prstGeom>
-          <a:noFill/>
-        </p:spPr>
-        <p:txBody>
-          <a:bodyPr wrap="square" rtlCol="0">
-            <a:spAutoFit/>
-          </a:bodyPr>
-          <a:lstStyle/>
-          <a:p>
-            <a:r>
-              <a:rPr lang="en-CA" sz="3200" smtClean="0"/>
-              <a:t>Internet</a:t>
-            </a:r>
-          </a:p>
-        </p:txBody>
-      </p:sp>
+        </p:grpSpPr>
+        <p:sp>
+          <p:nvSpPr>
+            <p:cNvPr id="52" name="円弧 51"/>
+            <p:cNvSpPr/>
+            <p:nvPr/>
+          </p:nvSpPr>
+          <p:spPr>
+            <a:xfrm>
+              <a:off x="2057400" y="2688947"/>
+              <a:ext cx="4754609" cy="1730653"/>
+            </a:xfrm>
+            <a:prstGeom prst="arc">
+              <a:avLst>
+                <a:gd name="adj1" fmla="val 11039885"/>
+                <a:gd name="adj2" fmla="val 21232086"/>
+              </a:avLst>
+            </a:prstGeom>
+            <a:ln w="63500">
+              <a:solidFill>
+                <a:schemeClr val="accent2"/>
+              </a:solidFill>
+              <a:headEnd type="arrow"/>
+              <a:tailEnd type="arrow"/>
+            </a:ln>
+          </p:spPr>
+          <p:style>
+            <a:lnRef idx="1">
+              <a:schemeClr val="accent1"/>
+            </a:lnRef>
+            <a:fillRef idx="0">
+              <a:schemeClr val="accent1"/>
+            </a:fillRef>
+            <a:effectRef idx="0">
+              <a:schemeClr val="accent1"/>
+            </a:effectRef>
+            <a:fontRef idx="minor">
+              <a:schemeClr val="tx1"/>
+            </a:fontRef>
+          </p:style>
+          <p:txBody>
+            <a:bodyPr rtlCol="0" anchor="ctr"/>
+            <a:lstStyle/>
+            <a:p>
+              <a:pPr algn="ctr"/>
+              <a:endParaRPr kumimoji="1" lang="ja-JP" altLang="en-US"/>
+            </a:p>
+          </p:txBody>
+        </p:sp>
+        <p:sp>
+          <p:nvSpPr>
+            <p:cNvPr id="53" name="円/楕円 52"/>
+            <p:cNvSpPr/>
+            <p:nvPr/>
+          </p:nvSpPr>
+          <p:spPr>
+            <a:xfrm>
+              <a:off x="3211764" y="1631909"/>
+              <a:ext cx="2180343" cy="1364096"/>
+            </a:xfrm>
+            <a:prstGeom prst="ellipse">
+              <a:avLst/>
+            </a:prstGeom>
+            <a:solidFill>
+              <a:schemeClr val="bg1"/>
+            </a:solidFill>
+            <a:ln>
+              <a:solidFill>
+                <a:schemeClr val="bg1"/>
+              </a:solidFill>
+            </a:ln>
+          </p:spPr>
+          <p:style>
+            <a:lnRef idx="2">
+              <a:schemeClr val="accent1">
+                <a:shade val="50000"/>
+              </a:schemeClr>
+            </a:lnRef>
+            <a:fillRef idx="1">
+              <a:schemeClr val="accent1"/>
+            </a:fillRef>
+            <a:effectRef idx="0">
+              <a:schemeClr val="accent1"/>
+            </a:effectRef>
+            <a:fontRef idx="minor">
+              <a:schemeClr val="lt1"/>
+            </a:fontRef>
+          </p:style>
+          <p:txBody>
+            <a:bodyPr rtlCol="0" anchor="ctr"/>
+            <a:lstStyle/>
+            <a:p>
+              <a:pPr algn="ctr"/>
+              <a:endParaRPr kumimoji="1" lang="ja-JP" altLang="en-US"/>
+            </a:p>
+          </p:txBody>
+        </p:sp>
+        <p:sp>
+          <p:nvSpPr>
+            <p:cNvPr id="7" name="Cloud 6"/>
+            <p:cNvSpPr/>
+            <p:nvPr/>
+          </p:nvSpPr>
+          <p:spPr>
+            <a:xfrm>
+              <a:off x="3320383" y="1856476"/>
+              <a:ext cx="2184097" cy="1139529"/>
+            </a:xfrm>
+            <a:prstGeom prst="cloud">
+              <a:avLst/>
+            </a:prstGeom>
+            <a:noFill/>
+          </p:spPr>
+          <p:style>
+            <a:lnRef idx="2">
+              <a:schemeClr val="accent1">
+                <a:shade val="50000"/>
+              </a:schemeClr>
+            </a:lnRef>
+            <a:fillRef idx="1">
+              <a:schemeClr val="accent1"/>
+            </a:fillRef>
+            <a:effectRef idx="0">
+              <a:schemeClr val="accent1"/>
+            </a:effectRef>
+            <a:fontRef idx="minor">
+              <a:schemeClr val="lt1"/>
+            </a:fontRef>
+          </p:style>
+          <p:txBody>
+            <a:bodyPr rtlCol="0" anchor="ctr"/>
+            <a:lstStyle/>
+            <a:p>
+              <a:pPr algn="ctr"/>
+              <a:endParaRPr lang="en-CA"/>
+            </a:p>
+          </p:txBody>
+        </p:sp>
+        <p:sp>
+          <p:nvSpPr>
+            <p:cNvPr id="25" name="TextBox 19"/>
+            <p:cNvSpPr txBox="1"/>
+            <p:nvPr/>
+          </p:nvSpPr>
+          <p:spPr>
+            <a:xfrm>
+              <a:off x="3619738" y="2059454"/>
+              <a:ext cx="1585386" cy="584775"/>
+            </a:xfrm>
+            <a:prstGeom prst="rect">
+              <a:avLst/>
+            </a:prstGeom>
+            <a:noFill/>
+          </p:spPr>
+          <p:txBody>
+            <a:bodyPr wrap="square" rtlCol="0">
+              <a:spAutoFit/>
+            </a:bodyPr>
+            <a:lstStyle/>
+            <a:p>
+              <a:r>
+                <a:rPr lang="en-CA" sz="3200" smtClean="0"/>
+                <a:t>Internet</a:t>
+              </a:r>
+            </a:p>
+          </p:txBody>
+        </p:sp>
+      </p:grpSp>
       <p:sp>
         <p:nvSpPr>
           <p:cNvPr id="35" name="角丸四角形 34"/>
@@ -10891,7 +10883,7 @@
         </p:nvSpPr>
         <p:spPr>
           <a:xfrm>
-            <a:off x="1167185" y="3239243"/>
+            <a:off x="1167185" y="3587586"/>
             <a:ext cx="2099493" cy="177733"/>
           </a:xfrm>
           <a:prstGeom prst="roundRect">
@@ -10936,7 +10928,7 @@
         </p:nvSpPr>
         <p:spPr>
           <a:xfrm flipH="1">
-            <a:off x="3398790" y="3239243"/>
+            <a:off x="3398790" y="3736548"/>
             <a:ext cx="181075" cy="177733"/>
           </a:xfrm>
           <a:prstGeom prst="roundRect">
@@ -10981,7 +10973,7 @@
         </p:nvSpPr>
         <p:spPr>
           <a:xfrm flipH="1">
-            <a:off x="615880" y="3233727"/>
+            <a:off x="615880" y="3582070"/>
             <a:ext cx="419193" cy="183249"/>
           </a:xfrm>
           <a:prstGeom prst="roundRect">
@@ -11029,7 +11021,7 @@
         </p:nvCxnSpPr>
         <p:spPr>
           <a:xfrm>
-            <a:off x="825476" y="3233727"/>
+            <a:off x="825476" y="3582070"/>
             <a:ext cx="0" cy="183249"/>
           </a:xfrm>
           <a:prstGeom prst="line">
@@ -11064,7 +11056,7 @@
         </p:nvSpPr>
         <p:spPr>
           <a:xfrm>
-            <a:off x="877045" y="4452926"/>
+            <a:off x="877045" y="4801269"/>
             <a:ext cx="2446548" cy="1475689"/>
           </a:xfrm>
           <a:prstGeom prst="roundRect">
@@ -11120,7 +11112,7 @@
         </p:nvSpPr>
         <p:spPr>
           <a:xfrm>
-            <a:off x="1035073" y="4605327"/>
+            <a:off x="1035073" y="4953670"/>
             <a:ext cx="534918" cy="519894"/>
           </a:xfrm>
           <a:prstGeom prst="roundRect">
@@ -11176,7 +11168,7 @@
         </p:nvSpPr>
         <p:spPr>
           <a:xfrm>
-            <a:off x="2649354" y="5287784"/>
+            <a:off x="2649354" y="5636127"/>
             <a:ext cx="534918" cy="519894"/>
           </a:xfrm>
           <a:prstGeom prst="roundRect">
@@ -11232,7 +11224,7 @@
         </p:nvSpPr>
         <p:spPr>
           <a:xfrm>
-            <a:off x="1728019" y="4633154"/>
+            <a:off x="1728019" y="4981497"/>
             <a:ext cx="832572" cy="82337"/>
           </a:xfrm>
           <a:prstGeom prst="roundRect">
@@ -11288,7 +11280,7 @@
         </p:nvSpPr>
         <p:spPr>
           <a:xfrm>
-            <a:off x="1730909" y="4806711"/>
+            <a:off x="1730909" y="5155054"/>
             <a:ext cx="1440000" cy="82337"/>
           </a:xfrm>
           <a:prstGeom prst="roundRect">
@@ -11344,7 +11336,7 @@
         </p:nvSpPr>
         <p:spPr>
           <a:xfrm>
-            <a:off x="1722005" y="4980190"/>
+            <a:off x="1722005" y="5328533"/>
             <a:ext cx="1152000" cy="82337"/>
           </a:xfrm>
           <a:prstGeom prst="roundRect">
@@ -11400,7 +11392,7 @@
         </p:nvSpPr>
         <p:spPr>
           <a:xfrm>
-            <a:off x="1032183" y="5335775"/>
+            <a:off x="1032183" y="5684118"/>
             <a:ext cx="995008" cy="80537"/>
           </a:xfrm>
           <a:prstGeom prst="roundRect">
@@ -11456,7 +11448,7 @@
         </p:nvSpPr>
         <p:spPr>
           <a:xfrm>
-            <a:off x="1035073" y="5509332"/>
+            <a:off x="1035073" y="5857675"/>
             <a:ext cx="1296918" cy="80459"/>
           </a:xfrm>
           <a:prstGeom prst="roundRect">
@@ -11512,7 +11504,7 @@
         </p:nvSpPr>
         <p:spPr>
           <a:xfrm>
-            <a:off x="1026169" y="5682811"/>
+            <a:off x="1026169" y="6031154"/>
             <a:ext cx="848622" cy="89086"/>
           </a:xfrm>
           <a:prstGeom prst="roundRect">
@@ -11560,6 +11552,243 @@
           </a:p>
         </p:txBody>
       </p:sp>
+      <p:grpSp>
+        <p:nvGrpSpPr>
+          <p:cNvPr id="13" name="図形グループ 12"/>
+          <p:cNvGrpSpPr/>
+          <p:nvPr/>
+        </p:nvGrpSpPr>
+        <p:grpSpPr>
+          <a:xfrm>
+            <a:off x="4343400" y="5294488"/>
+            <a:ext cx="4419600" cy="1411112"/>
+            <a:chOff x="4114800" y="5183654"/>
+            <a:chExt cx="4419600" cy="1411112"/>
+          </a:xfrm>
+        </p:grpSpPr>
+        <p:sp>
+          <p:nvSpPr>
+            <p:cNvPr id="3" name="正方形/長方形 2"/>
+            <p:cNvSpPr/>
+            <p:nvPr/>
+          </p:nvSpPr>
+          <p:spPr>
+            <a:xfrm>
+              <a:off x="4114800" y="5183654"/>
+              <a:ext cx="4419600" cy="1411112"/>
+            </a:xfrm>
+            <a:prstGeom prst="rect">
+              <a:avLst/>
+            </a:prstGeom>
+            <a:solidFill>
+              <a:schemeClr val="accent1">
+                <a:lumMod val="20000"/>
+                <a:lumOff val="80000"/>
+              </a:schemeClr>
+            </a:solidFill>
+          </p:spPr>
+          <p:style>
+            <a:lnRef idx="2">
+              <a:schemeClr val="accent1">
+                <a:shade val="50000"/>
+              </a:schemeClr>
+            </a:lnRef>
+            <a:fillRef idx="1">
+              <a:schemeClr val="accent1"/>
+            </a:fillRef>
+            <a:effectRef idx="0">
+              <a:schemeClr val="accent1"/>
+            </a:effectRef>
+            <a:fontRef idx="minor">
+              <a:schemeClr val="lt1"/>
+            </a:fontRef>
+          </p:style>
+          <p:txBody>
+            <a:bodyPr rtlCol="0" anchor="ctr"/>
+            <a:lstStyle/>
+            <a:p>
+              <a:pPr algn="ctr"/>
+              <a:endParaRPr kumimoji="1" lang="ja-JP" altLang="en-US"/>
+            </a:p>
+          </p:txBody>
+        </p:sp>
+        <p:sp>
+          <p:nvSpPr>
+            <p:cNvPr id="4" name="角丸四角形 3"/>
+            <p:cNvSpPr/>
+            <p:nvPr/>
+          </p:nvSpPr>
+          <p:spPr>
+            <a:xfrm>
+              <a:off x="4341151" y="5836198"/>
+              <a:ext cx="1373485" cy="607652"/>
+            </a:xfrm>
+            <a:prstGeom prst="roundRect">
+              <a:avLst/>
+            </a:prstGeom>
+            <a:solidFill>
+              <a:schemeClr val="accent2">
+                <a:lumMod val="60000"/>
+                <a:lumOff val="40000"/>
+              </a:schemeClr>
+            </a:solidFill>
+            <a:ln>
+              <a:solidFill>
+                <a:schemeClr val="accent2"/>
+              </a:solidFill>
+            </a:ln>
+          </p:spPr>
+          <p:style>
+            <a:lnRef idx="2">
+              <a:schemeClr val="accent1">
+                <a:shade val="50000"/>
+              </a:schemeClr>
+            </a:lnRef>
+            <a:fillRef idx="1">
+              <a:schemeClr val="accent1"/>
+            </a:fillRef>
+            <a:effectRef idx="0">
+              <a:schemeClr val="accent1"/>
+            </a:effectRef>
+            <a:fontRef idx="minor">
+              <a:schemeClr val="lt1"/>
+            </a:fontRef>
+          </p:style>
+          <p:txBody>
+            <a:bodyPr rtlCol="0" anchor="ctr"/>
+            <a:lstStyle/>
+            <a:p>
+              <a:pPr algn="ctr"/>
+              <a:r>
+                <a:rPr kumimoji="1" lang="en-US" altLang="ja-JP" sz="2800" dirty="0" err="1" smtClean="0"/>
+                <a:t>npm</a:t>
+              </a:r>
+              <a:endParaRPr kumimoji="1" lang="ja-JP" altLang="en-US" sz="2800" dirty="0"/>
+            </a:p>
+          </p:txBody>
+        </p:sp>
+        <p:sp>
+          <p:nvSpPr>
+            <p:cNvPr id="38" name="角丸四角形 37"/>
+            <p:cNvSpPr/>
+            <p:nvPr/>
+          </p:nvSpPr>
+          <p:spPr>
+            <a:xfrm>
+              <a:off x="6019800" y="5836198"/>
+              <a:ext cx="2194696" cy="605424"/>
+            </a:xfrm>
+            <a:prstGeom prst="roundRect">
+              <a:avLst/>
+            </a:prstGeom>
+            <a:solidFill>
+              <a:schemeClr val="accent2">
+                <a:lumMod val="60000"/>
+                <a:lumOff val="40000"/>
+              </a:schemeClr>
+            </a:solidFill>
+            <a:ln>
+              <a:solidFill>
+                <a:schemeClr val="accent2"/>
+              </a:solidFill>
+            </a:ln>
+          </p:spPr>
+          <p:style>
+            <a:lnRef idx="2">
+              <a:schemeClr val="accent1">
+                <a:shade val="50000"/>
+              </a:schemeClr>
+            </a:lnRef>
+            <a:fillRef idx="1">
+              <a:schemeClr val="accent1"/>
+            </a:fillRef>
+            <a:effectRef idx="0">
+              <a:schemeClr val="accent1"/>
+            </a:effectRef>
+            <a:fontRef idx="minor">
+              <a:schemeClr val="lt1"/>
+            </a:fontRef>
+          </p:style>
+          <p:txBody>
+            <a:bodyPr rtlCol="0" anchor="ctr"/>
+            <a:lstStyle/>
+            <a:p>
+              <a:pPr algn="ctr"/>
+              <a:r>
+                <a:rPr kumimoji="1" lang="en-US" altLang="ja-JP" sz="2800" smtClean="0"/>
+                <a:t>Task runner</a:t>
+              </a:r>
+              <a:endParaRPr kumimoji="1" lang="en-US" altLang="ja-JP" sz="2800" dirty="0" smtClean="0"/>
+            </a:p>
+          </p:txBody>
+        </p:sp>
+        <p:sp>
+          <p:nvSpPr>
+            <p:cNvPr id="40" name="TextBox 19"/>
+            <p:cNvSpPr txBox="1"/>
+            <p:nvPr/>
+          </p:nvSpPr>
+          <p:spPr>
+            <a:xfrm>
+              <a:off x="4724399" y="5226650"/>
+              <a:ext cx="3169852" cy="584775"/>
+            </a:xfrm>
+            <a:prstGeom prst="rect">
+              <a:avLst/>
+            </a:prstGeom>
+            <a:noFill/>
+          </p:spPr>
+          <p:txBody>
+            <a:bodyPr wrap="square" rtlCol="0">
+              <a:spAutoFit/>
+            </a:bodyPr>
+            <a:lstStyle/>
+            <a:p>
+              <a:r>
+                <a:rPr lang="en-CA" sz="3200" dirty="0" smtClean="0"/>
+                <a:t>Creation &amp; Design</a:t>
+              </a:r>
+              <a:endParaRPr lang="en-CA" sz="3200" dirty="0" smtClean="0"/>
+            </a:p>
+          </p:txBody>
+        </p:sp>
+      </p:grpSp>
+      <p:cxnSp>
+        <p:nvCxnSpPr>
+          <p:cNvPr id="26" name="直線矢印コネクタ 25"/>
+          <p:cNvCxnSpPr/>
+          <p:nvPr/>
+        </p:nvCxnSpPr>
+        <p:spPr>
+          <a:xfrm flipV="1">
+            <a:off x="6472636" y="4522346"/>
+            <a:ext cx="1" cy="659254"/>
+          </a:xfrm>
+          <a:prstGeom prst="straightConnector1">
+            <a:avLst/>
+          </a:prstGeom>
+          <a:ln w="76200">
+            <a:solidFill>
+              <a:schemeClr val="accent2"/>
+            </a:solidFill>
+            <a:tailEnd type="triangle"/>
+          </a:ln>
+        </p:spPr>
+        <p:style>
+          <a:lnRef idx="1">
+            <a:schemeClr val="accent1"/>
+          </a:lnRef>
+          <a:fillRef idx="0">
+            <a:schemeClr val="accent1"/>
+          </a:fillRef>
+          <a:effectRef idx="0">
+            <a:schemeClr val="accent1"/>
+          </a:effectRef>
+          <a:fontRef idx="minor">
+            <a:schemeClr val="tx1"/>
+          </a:fontRef>
+        </p:style>
+      </p:cxnSp>
     </p:spTree>
   </p:cSld>
   <p:clrMapOvr>

--- a/skyway-renewal-inception-deck.pptx
+++ b/skyway-renewal-inception-deck.pptx
@@ -5052,12 +5052,28 @@
           <a:lstStyle/>
           <a:p>
             <a:r>
+              <a:rPr lang="en-CA" sz="2800" dirty="0">
+                <a:solidFill>
+                  <a:schemeClr val="bg1"/>
+                </a:solidFill>
+              </a:rPr>
+              <a:t>3</a:t>
+            </a:r>
+            <a:r>
               <a:rPr lang="en-CA" sz="2800" dirty="0" smtClean="0">
                 <a:solidFill>
                   <a:schemeClr val="bg1"/>
                 </a:solidFill>
               </a:rPr>
-              <a:t>2 weeks</a:t>
+              <a:t> </a:t>
+            </a:r>
+            <a:r>
+              <a:rPr lang="en-CA" sz="2800" dirty="0" smtClean="0">
+                <a:solidFill>
+                  <a:schemeClr val="bg1"/>
+                </a:solidFill>
+              </a:rPr>
+              <a:t>weeks</a:t>
             </a:r>
             <a:endParaRPr lang="en-CA" sz="2800" dirty="0">
               <a:solidFill>
@@ -5862,14 +5878,14 @@
           <p:nvPr>
             <p:extLst>
               <p:ext uri="{D42A27DB-BD31-4B8C-83A1-F6EECF244321}">
-                <p14:modId xmlns:p14="http://schemas.microsoft.com/office/powerpoint/2010/main" val="1289511154"/>
+                <p14:modId xmlns:p14="http://schemas.microsoft.com/office/powerpoint/2010/main" val="180785147"/>
               </p:ext>
             </p:extLst>
           </p:nvPr>
         </p:nvGraphicFramePr>
         <p:xfrm>
           <a:off x="457200" y="4157880"/>
-          <a:ext cx="8229600" cy="2014320"/>
+          <a:ext cx="8229600" cy="1873985"/>
         </p:xfrm>
         <a:graphic>
           <a:graphicData uri="http://schemas.openxmlformats.org/drawingml/2006/table">
@@ -5929,7 +5945,7 @@
                     <a:p>
                       <a:r>
                         <a:rPr lang="en-CA" sz="2400" dirty="0" smtClean="0"/>
-                        <a:t>Ease of use</a:t>
+                        <a:t>Skill Up</a:t>
                       </a:r>
                       <a:endParaRPr lang="en-CA" sz="2400" dirty="0"/>
                     </a:p>
@@ -5953,28 +5969,7 @@
                     <a:bodyPr/>
                     <a:lstStyle/>
                     <a:p>
-                      <a:pPr marL="0" marR="0" indent="0" algn="l" defTabSz="914400" rtl="0" eaLnBrk="1" fontAlgn="auto" latinLnBrk="0" hangingPunct="1">
-                        <a:lnSpc>
-                          <a:spcPct val="100000"/>
-                        </a:lnSpc>
-                        <a:spcBef>
-                          <a:spcPts val="0"/>
-                        </a:spcBef>
-                        <a:spcAft>
-                          <a:spcPts val="0"/>
-                        </a:spcAft>
-                        <a:buClrTx/>
-                        <a:buSzTx/>
-                        <a:buFontTx/>
-                        <a:buNone/>
-                        <a:tabLst/>
-                        <a:defRPr/>
-                      </a:pPr>
-                      <a:r>
-                        <a:rPr lang="en-CA" sz="2400" dirty="0" smtClean="0"/>
-                        <a:t>Don’t make me think!</a:t>
-                      </a:r>
-                      <a:endParaRPr lang="en-CA" sz="2000" dirty="0" smtClean="0"/>
+                      <a:endParaRPr lang="ja-JP" altLang="en-US" dirty="0"/>
                     </a:p>
                   </a:txBody>
                   <a:tcPr anchor="ctr"/>
@@ -5996,15 +5991,7 @@
                     <a:bodyPr/>
                     <a:lstStyle/>
                     <a:p>
-                      <a:r>
-                        <a:rPr lang="en-CA" sz="2400" dirty="0" smtClean="0"/>
-                        <a:t>Detailed</a:t>
-                      </a:r>
-                      <a:r>
-                        <a:rPr lang="en-CA" sz="2400" baseline="0" dirty="0" smtClean="0"/>
-                        <a:t> audits (log everything)</a:t>
-                      </a:r>
-                      <a:endParaRPr lang="en-CA" sz="2000" dirty="0"/>
+                      <a:endParaRPr lang="ja-JP" altLang="en-US" dirty="0"/>
                     </a:p>
                   </a:txBody>
                   <a:tcPr anchor="ctr"/>
@@ -7522,7 +7509,7 @@
         </p:nvSpPr>
         <p:spPr>
           <a:xfrm>
-            <a:off x="1500407" y="2037217"/>
+            <a:off x="1828800" y="1981200"/>
             <a:ext cx="228600" cy="457200"/>
           </a:xfrm>
           <a:prstGeom prst="ellipse">
@@ -7630,7 +7617,7 @@
         </p:nvSpPr>
         <p:spPr>
           <a:xfrm>
-            <a:off x="1678492" y="2909323"/>
+            <a:off x="1447800" y="2909323"/>
             <a:ext cx="228600" cy="457200"/>
           </a:xfrm>
           <a:prstGeom prst="ellipse">
@@ -7738,7 +7725,7 @@
         </p:nvSpPr>
         <p:spPr>
           <a:xfrm>
-            <a:off x="1295400" y="4648200"/>
+            <a:off x="1524000" y="4724400"/>
             <a:ext cx="228600" cy="457200"/>
           </a:xfrm>
           <a:prstGeom prst="ellipse">
@@ -7792,7 +7779,7 @@
         </p:nvSpPr>
         <p:spPr>
           <a:xfrm>
-            <a:off x="2171835" y="5196681"/>
+            <a:off x="1828800" y="5257800"/>
             <a:ext cx="228600" cy="457200"/>
           </a:xfrm>
           <a:prstGeom prst="ellipse">
@@ -7846,7 +7833,7 @@
         </p:nvSpPr>
         <p:spPr>
           <a:xfrm>
-            <a:off x="1875319" y="5648760"/>
+            <a:off x="1828800" y="5715000"/>
             <a:ext cx="228600" cy="457200"/>
           </a:xfrm>
           <a:prstGeom prst="ellipse">
@@ -8150,7 +8137,7 @@
         </p:nvSpPr>
         <p:spPr>
           <a:xfrm>
-            <a:off x="457200" y="1600200"/>
+            <a:off x="457200" y="1524000"/>
             <a:ext cx="8229600" cy="5105400"/>
           </a:xfrm>
         </p:spPr>
@@ -8170,8 +8157,21 @@
                   <a:srgbClr val="008000"/>
                 </a:solidFill>
               </a:rPr>
-              <a:t>developers ranging from large-corporations to independent developers</a:t>
-            </a:r>
+              <a:t>independent developers and </a:t>
+            </a:r>
+            <a:r>
+              <a:rPr lang="en-CA" dirty="0" err="1" smtClean="0">
+                <a:solidFill>
+                  <a:srgbClr val="008000"/>
+                </a:solidFill>
+              </a:rPr>
+              <a:t>startups</a:t>
+            </a:r>
+            <a:endParaRPr lang="en-CA" dirty="0" smtClean="0">
+              <a:solidFill>
+                <a:srgbClr val="008000"/>
+              </a:solidFill>
+            </a:endParaRPr>
           </a:p>
           <a:p>
             <a:r>
@@ -8351,7 +8351,15 @@
                   <a:srgbClr val="008000"/>
                 </a:solidFill>
               </a:rPr>
-              <a:t>essential and useful resources in a well-defined organisation.</a:t>
+              <a:t>essential and useful resources in a well-defined </a:t>
+            </a:r>
+            <a:r>
+              <a:rPr lang="en-CA" dirty="0" smtClean="0">
+                <a:solidFill>
+                  <a:srgbClr val="008000"/>
+                </a:solidFill>
+              </a:rPr>
+              <a:t>structure.</a:t>
             </a:r>
             <a:endParaRPr lang="en-CA" dirty="0"/>
           </a:p>
@@ -8936,14 +8944,14 @@
           <p:nvPr>
             <p:extLst>
               <p:ext uri="{D42A27DB-BD31-4B8C-83A1-F6EECF244321}">
-                <p14:modId xmlns:p14="http://schemas.microsoft.com/office/powerpoint/2010/main" val="389040743"/>
+                <p14:modId xmlns:p14="http://schemas.microsoft.com/office/powerpoint/2010/main" val="1982945082"/>
               </p:ext>
             </p:extLst>
           </p:nvPr>
         </p:nvGraphicFramePr>
         <p:xfrm>
           <a:off x="381000" y="1219200"/>
-          <a:ext cx="8458200" cy="3302000"/>
+          <a:ext cx="8458200" cy="4043680"/>
         </p:xfrm>
         <a:graphic>
           <a:graphicData uri="http://schemas.openxmlformats.org/drawingml/2006/table">
@@ -9071,6 +9079,10 @@
                     <a:bodyPr/>
                     <a:lstStyle/>
                     <a:p>
+                      <a:r>
+                        <a:rPr lang="en-CA" sz="1400" dirty="0" smtClean="0"/>
+                        <a:t>Dashboard (at least at first)</a:t>
+                      </a:r>
                       <a:endParaRPr lang="en-CA" sz="1400" dirty="0"/>
                     </a:p>
                   </a:txBody>
@@ -9105,7 +9117,19 @@
                     <a:bodyPr/>
                     <a:lstStyle/>
                     <a:p>
-                      <a:endParaRPr lang="en-CA" sz="1400"/>
+                      <a:r>
+                        <a:rPr lang="en-CA" sz="1400" dirty="0" err="1" smtClean="0"/>
+                        <a:t>Peer.js</a:t>
+                      </a:r>
+                      <a:r>
+                        <a:rPr lang="en-CA" sz="1400" dirty="0" smtClean="0"/>
+                        <a:t>, </a:t>
+                      </a:r>
+                      <a:r>
+                        <a:rPr lang="en-CA" sz="1400" dirty="0" err="1" smtClean="0"/>
+                        <a:t>skyway.js</a:t>
+                      </a:r>
+                      <a:endParaRPr lang="en-CA" sz="1400" dirty="0"/>
                     </a:p>
                   </a:txBody>
                   <a:tcPr/>
@@ -9135,7 +9159,7 @@
                     <a:bodyPr/>
                     <a:lstStyle/>
                     <a:p>
-                      <a:endParaRPr lang="en-CA" sz="1400"/>
+                      <a:endParaRPr lang="en-CA" sz="1400" dirty="0"/>
                     </a:p>
                   </a:txBody>
                   <a:tcPr/>
@@ -9265,6 +9289,62 @@
                   <a:tcPr/>
                 </a:tc>
               </a:tr>
+              <a:tr h="370840">
+                <a:tc>
+                  <a:txBody>
+                    <a:bodyPr/>
+                    <a:lstStyle/>
+                    <a:p>
+                      <a:r>
+                        <a:rPr lang="en-CA" sz="1400" dirty="0" smtClean="0"/>
+                        <a:t>Docs</a:t>
+                      </a:r>
+                      <a:endParaRPr lang="en-CA" sz="1400" dirty="0"/>
+                    </a:p>
+                  </a:txBody>
+                  <a:tcPr/>
+                </a:tc>
+                <a:tc>
+                  <a:txBody>
+                    <a:bodyPr/>
+                    <a:lstStyle/>
+                    <a:p>
+                      <a:endParaRPr lang="en-CA" sz="1400" dirty="0"/>
+                    </a:p>
+                  </a:txBody>
+                  <a:tcPr/>
+                </a:tc>
+              </a:tr>
+              <a:tr h="370840">
+                <a:tc>
+                  <a:txBody>
+                    <a:bodyPr/>
+                    <a:lstStyle/>
+                    <a:p>
+                      <a:r>
+                        <a:rPr lang="en-CA" sz="1400" dirty="0" smtClean="0"/>
+                        <a:t>Japanese</a:t>
+                      </a:r>
+                      <a:r>
+                        <a:rPr lang="en-CA" sz="1400" baseline="0" dirty="0" smtClean="0"/>
+                        <a:t> &amp; English language versions</a:t>
+                      </a:r>
+                      <a:endParaRPr lang="en-CA" sz="1400" dirty="0"/>
+                    </a:p>
+                  </a:txBody>
+                  <a:tcPr/>
+                </a:tc>
+                <a:tc>
+                  <a:txBody>
+                    <a:bodyPr/>
+                    <a:lstStyle/>
+                    <a:p>
+                      <a:endParaRPr lang="en-CA" sz="1400" dirty="0"/>
+                    </a:p>
+                  </a:txBody>
+                  <a:tcPr/>
+                </a:tc>
+              </a:tr>
             </a:tbl>
           </a:graphicData>
         </a:graphic>
@@ -9278,14 +9358,14 @@
           <p:nvPr>
             <p:extLst>
               <p:ext uri="{D42A27DB-BD31-4B8C-83A1-F6EECF244321}">
-                <p14:modId xmlns:p14="http://schemas.microsoft.com/office/powerpoint/2010/main" val="1707056552"/>
+                <p14:modId xmlns:p14="http://schemas.microsoft.com/office/powerpoint/2010/main" val="1007277217"/>
               </p:ext>
             </p:extLst>
           </p:nvPr>
         </p:nvGraphicFramePr>
         <p:xfrm>
-          <a:off x="381000" y="4648201"/>
-          <a:ext cx="8458200" cy="2134496"/>
+          <a:off x="381000" y="5394960"/>
+          <a:ext cx="8458200" cy="1310640"/>
         </p:xfrm>
         <a:graphic>
           <a:graphicData uri="http://schemas.openxmlformats.org/drawingml/2006/table">
@@ -9358,72 +9438,7 @@
                       </a:r>
                       <a:r>
                         <a:rPr lang="en-CA" altLang="ja-JP" baseline="0" dirty="0" smtClean="0"/>
-                        <a:t>technologies to use </a:t>
-                      </a:r>
-                      <a:r>
-                        <a:rPr lang="en-CA" altLang="ja-JP" baseline="0" dirty="0" smtClean="0"/>
-                        <a:t>(See tech solution page)</a:t>
-                      </a:r>
-                      <a:endParaRPr lang="en-CA" altLang="ja-JP" dirty="0" smtClean="0"/>
-                    </a:p>
-                  </a:txBody>
-                  <a:tcPr/>
-                </a:tc>
-              </a:tr>
-              <a:tr h="315688">
-                <a:tc>
-                  <a:txBody>
-                    <a:bodyPr/>
-                    <a:lstStyle/>
-                    <a:p>
-                      <a:r>
-                        <a:rPr lang="en-CA" dirty="0" smtClean="0"/>
-                        <a:t>Dashboard? Docs?</a:t>
-                      </a:r>
-                      <a:endParaRPr lang="en-CA" dirty="0"/>
-                    </a:p>
-                  </a:txBody>
-                  <a:tcPr/>
-                </a:tc>
-              </a:tr>
-              <a:tr h="458096">
-                <a:tc>
-                  <a:txBody>
-                    <a:bodyPr/>
-                    <a:lstStyle/>
-                    <a:p>
-                      <a:pPr marL="0" marR="0" indent="0" algn="l" defTabSz="914400" rtl="0" eaLnBrk="1" fontAlgn="auto" latinLnBrk="0" hangingPunct="1">
-                        <a:lnSpc>
-                          <a:spcPct val="100000"/>
-                        </a:lnSpc>
-                        <a:spcBef>
-                          <a:spcPts val="0"/>
-                        </a:spcBef>
-                        <a:spcAft>
-                          <a:spcPts val="0"/>
-                        </a:spcAft>
-                        <a:buClrTx/>
-                        <a:buSzTx/>
-                        <a:buFontTx/>
-                        <a:buNone/>
-                        <a:tabLst/>
-                        <a:defRPr/>
-                      </a:pPr>
-                      <a:r>
-                        <a:rPr lang="en-CA" altLang="ja-JP" baseline="0" dirty="0" err="1" smtClean="0"/>
-                        <a:t>Peer.js</a:t>
-                      </a:r>
-                      <a:r>
-                        <a:rPr lang="en-CA" altLang="ja-JP" baseline="0" dirty="0" smtClean="0"/>
-                        <a:t>, </a:t>
-                      </a:r>
-                      <a:r>
-                        <a:rPr lang="en-CA" altLang="ja-JP" baseline="0" dirty="0" err="1" smtClean="0"/>
-                        <a:t>skyway.js</a:t>
-                      </a:r>
-                      <a:r>
-                        <a:rPr lang="en-CA" altLang="ja-JP" baseline="0" dirty="0" smtClean="0"/>
-                        <a:t> ?</a:t>
+                        <a:t>technologies to use (See tech solution page)</a:t>
                       </a:r>
                       <a:endParaRPr lang="en-CA" altLang="ja-JP" dirty="0" smtClean="0"/>
                     </a:p>
@@ -10489,11 +10504,7 @@
             </a:r>
             <a:r>
               <a:rPr lang="en-US" altLang="ja-JP" sz="2400" dirty="0" smtClean="0"/>
-              <a:t>HTML, CSS, </a:t>
-            </a:r>
-            <a:r>
-              <a:rPr lang="en-US" altLang="ja-JP" sz="2400" dirty="0" smtClean="0"/>
-              <a:t>JS</a:t>
+              <a:t>HTML, CSS, JS</a:t>
             </a:r>
           </a:p>
           <a:p>
@@ -10523,7 +10534,6 @@
               <a:rPr lang="en-US" altLang="ja-JP" sz="2400" dirty="0" smtClean="0"/>
               <a:t>?</a:t>
             </a:r>
-            <a:endParaRPr lang="en-US" altLang="ja-JP" sz="2400" dirty="0" smtClean="0"/>
           </a:p>
           <a:p>
             <a:pPr>
@@ -10532,11 +10542,7 @@
             </a:pPr>
             <a:r>
               <a:rPr lang="en-CA" sz="2400" dirty="0" smtClean="0"/>
-              <a:t> JQuery, </a:t>
-            </a:r>
-            <a:r>
-              <a:rPr lang="en-CA" sz="2400" dirty="0" smtClean="0"/>
-              <a:t>Bootstrap</a:t>
+              <a:t> JQuery, Bootstrap</a:t>
             </a:r>
           </a:p>
           <a:p>
@@ -10554,15 +10560,7 @@
             </a:r>
             <a:r>
               <a:rPr lang="en-CA" sz="2400" dirty="0" smtClean="0"/>
-              <a:t> </a:t>
-            </a:r>
-            <a:r>
-              <a:rPr lang="en-CA" sz="2400" dirty="0" smtClean="0"/>
-              <a:t>pages, Jekyll</a:t>
-            </a:r>
-            <a:r>
-              <a:rPr lang="en-CA" sz="2400" dirty="0" smtClean="0"/>
-              <a:t>?</a:t>
+              <a:t> pages, Jekyll?</a:t>
             </a:r>
           </a:p>
           <a:p>
@@ -10582,7 +10580,6 @@
               <a:rPr lang="en-CA" sz="2400" dirty="0" smtClean="0"/>
               <a:t>?</a:t>
             </a:r>
-            <a:endParaRPr lang="en-CA" sz="2400" dirty="0" smtClean="0"/>
           </a:p>
           <a:p>
             <a:pPr>
@@ -10591,11 +10588,7 @@
             </a:pPr>
             <a:r>
               <a:rPr lang="en-CA" sz="2400" dirty="0" smtClean="0"/>
-              <a:t> </a:t>
-            </a:r>
-            <a:r>
-              <a:rPr lang="en-CA" sz="2400" dirty="0" smtClean="0"/>
-              <a:t>Sketch</a:t>
+              <a:t> Sketch</a:t>
             </a:r>
           </a:p>
         </p:txBody>
@@ -10868,7 +10861,7 @@
             <a:lstStyle/>
             <a:p>
               <a:r>
-                <a:rPr lang="en-CA" sz="3200" smtClean="0"/>
+                <a:rPr lang="en-CA" sz="3200" dirty="0" smtClean="0"/>
                 <a:t>Internet</a:t>
               </a:r>
             </a:p>
@@ -11748,7 +11741,6 @@
                 <a:rPr lang="en-CA" sz="3200" dirty="0" smtClean="0"/>
                 <a:t>Creation &amp; Design</a:t>
               </a:r>
-              <a:endParaRPr lang="en-CA" sz="3200" dirty="0" smtClean="0"/>
             </a:p>
           </p:txBody>
         </p:sp>
